--- a/others/“神奇的”二分查找法模板-2（动画）.pptx
+++ b/others/“神奇的”二分查找法模板-2（动画）.pptx
@@ -133,20 +133,6 @@
 </p:cmAuthorLst>
 </file>
 
-<file path=ppt/comments/comment1.xml><?xml version="1.0" encoding="utf-8"?>
-<p:cmLst xmlns:a="http://schemas.openxmlformats.org/drawingml/2006/main" xmlns:r="http://schemas.openxmlformats.org/officeDocument/2006/relationships" xmlns:p="http://schemas.openxmlformats.org/presentationml/2006/main">
-  <p:cm authorId="1" dt="2019-07-13T15:24:01.775" idx="1">
-    <p:pos x="10" y="10"/>
-    <p:text/>
-    <p:extLst>
-      <p:ext uri="{C676402C-5697-4E1C-873F-D02D1690AC5C}">
-        <p15:threadingInfo xmlns:p15="http://schemas.microsoft.com/office/powerpoint/2012/main" timeZoneBias="-480"/>
-      </p:ext>
-    </p:extLst>
-  </p:cm>
-</p:cmLst>
-</file>
-
 <file path=ppt/slideLayouts/slideLayout1.xml><?xml version="1.0" encoding="utf-8"?>
 <p:sldLayout xmlns:a="http://schemas.openxmlformats.org/drawingml/2006/main" xmlns:r="http://schemas.openxmlformats.org/officeDocument/2006/relationships" xmlns:p="http://schemas.openxmlformats.org/presentationml/2006/main" preserve="1" userDrawn="1">
   <p:cSld name="标题幻灯片">
@@ -381,7 +367,7 @@
           <a:p>
             <a:fld id="{7C955CD6-C544-6447-88CB-A2D8D4C328B3}" type="datetimeFigureOut">
               <a:rPr kumimoji="1" lang="zh-CN" altLang="en-US" smtClean="0"/>
-              <a:t>2019/7/13</a:t>
+              <a:t>2019/7/16</a:t>
             </a:fld>
             <a:endParaRPr kumimoji="1" lang="zh-CN" altLang="en-US"/>
           </a:p>
@@ -836,7 +822,7 @@
         <p:spPr>
           <a:xfrm flipH="1">
             <a:off x="280043" y="877535"/>
-            <a:ext cx="7023434" cy="461665"/>
+            <a:ext cx="5759822" cy="461665"/>
           </a:xfrm>
           <a:prstGeom prst="rect">
             <a:avLst/>
@@ -866,17 +852,6 @@
               <a:buChar char="Ø"/>
             </a:pPr>
             <a:r>
-              <a:rPr kumimoji="1" lang="en-US" altLang="zh-CN" sz="2400" b="1" dirty="0">
-                <a:solidFill>
-                  <a:schemeClr val="bg1"/>
-                </a:solidFill>
-                <a:latin typeface="Times New Roman" panose="02020603050405020304" pitchFamily="18" charset="0"/>
-                <a:ea typeface="KaiTi_GB2312" panose="02010609030101010101" pitchFamily="49" charset="-122"/>
-                <a:cs typeface="Times New Roman" panose="02020603050405020304" pitchFamily="18" charset="0"/>
-              </a:rPr>
-              <a:t>4</a:t>
-            </a:r>
-            <a:r>
               <a:rPr kumimoji="1" lang="zh-CN" altLang="en-US" sz="2400" b="1" dirty="0">
                 <a:solidFill>
                   <a:schemeClr val="bg1"/>
@@ -885,29 +860,7 @@
                 <a:ea typeface="KaiTi_GB2312" panose="02010609030101010101" pitchFamily="49" charset="-122"/>
                 <a:cs typeface="Times New Roman" panose="02020603050405020304" pitchFamily="18" charset="0"/>
               </a:rPr>
-              <a:t>、</a:t>
-            </a:r>
-            <a:r>
-              <a:rPr kumimoji="1" lang="en-US" altLang="zh-CN" sz="2400" b="1" dirty="0">
-                <a:solidFill>
-                  <a:schemeClr val="bg1"/>
-                </a:solidFill>
-                <a:latin typeface="Times New Roman" panose="02020603050405020304" pitchFamily="18" charset="0"/>
-                <a:ea typeface="KaiTi_GB2312" panose="02010609030101010101" pitchFamily="49" charset="-122"/>
-                <a:cs typeface="Times New Roman" panose="02020603050405020304" pitchFamily="18" charset="0"/>
-              </a:rPr>
-              <a:t> </a:t>
-            </a:r>
-            <a:r>
-              <a:rPr kumimoji="1" lang="zh-CN" altLang="en-US" sz="2400" b="1" dirty="0">
-                <a:solidFill>
-                  <a:schemeClr val="bg1"/>
-                </a:solidFill>
-                <a:latin typeface="Times New Roman" panose="02020603050405020304" pitchFamily="18" charset="0"/>
-                <a:ea typeface="KaiTi_GB2312" panose="02010609030101010101" pitchFamily="49" charset="-122"/>
-                <a:cs typeface="Times New Roman" panose="02020603050405020304" pitchFamily="18" charset="0"/>
-              </a:rPr>
-              <a:t>总结“神奇的”二分查找法模板的编写流程</a:t>
+              <a:t>“神奇的”二分查找法模板的编写流程</a:t>
             </a:r>
           </a:p>
         </p:txBody>
@@ -957,7 +910,7 @@
         <p:spPr>
           <a:xfrm flipH="1">
             <a:off x="4365436" y="1653070"/>
-            <a:ext cx="3987206" cy="338554"/>
+            <a:ext cx="5301078" cy="338554"/>
           </a:xfrm>
           <a:prstGeom prst="rect">
             <a:avLst/>
@@ -1172,10 +1125,56 @@
       </p:sp>
       <p:sp>
         <p:nvSpPr>
-          <p:cNvPr id="3" name="文本框 2">
-            <a:extLst>
-              <a:ext uri="{FF2B5EF4-FFF2-40B4-BE49-F238E27FC236}">
-                <a16:creationId xmlns:a16="http://schemas.microsoft.com/office/drawing/2014/main" id="{C10CD1F6-5281-1144-8275-00A99AEB534B}"/>
+          <p:cNvPr id="9" name="矩形 8">
+            <a:extLst>
+              <a:ext uri="{FF2B5EF4-FFF2-40B4-BE49-F238E27FC236}">
+                <a16:creationId xmlns:a16="http://schemas.microsoft.com/office/drawing/2014/main" id="{CB9A4D01-1A8F-6043-8CE9-1345F982CC82}"/>
+              </a:ext>
+            </a:extLst>
+          </p:cNvPr>
+          <p:cNvSpPr/>
+          <p:nvPr/>
+        </p:nvSpPr>
+        <p:spPr>
+          <a:xfrm>
+            <a:off x="4836905" y="6045906"/>
+            <a:ext cx="2256504" cy="338554"/>
+          </a:xfrm>
+          <a:prstGeom prst="rect">
+            <a:avLst/>
+          </a:prstGeom>
+          <a:solidFill>
+            <a:srgbClr val="FF0000"/>
+          </a:solidFill>
+          <a:effectLst>
+            <a:softEdge rad="31750"/>
+          </a:effectLst>
+        </p:spPr>
+        <p:txBody>
+          <a:bodyPr wrap="square">
+            <a:spAutoFit/>
+          </a:bodyPr>
+          <a:lstStyle/>
+          <a:p>
+            <a:r>
+              <a:rPr lang="zh-CN" altLang="en-US" sz="1600" dirty="0">
+                <a:solidFill>
+                  <a:schemeClr val="bg1"/>
+                </a:solidFill>
+                <a:latin typeface="Times New Roman" panose="02020603050405020304" pitchFamily="18" charset="0"/>
+                <a:cs typeface="Times New Roman" panose="02020603050405020304" pitchFamily="18" charset="0"/>
+              </a:rPr>
+              <a:t>至此，代码编写完成。</a:t>
+            </a:r>
+          </a:p>
+        </p:txBody>
+      </p:sp>
+      <p:sp>
+        <p:nvSpPr>
+          <p:cNvPr id="11" name="文本框 10">
+            <a:extLst>
+              <a:ext uri="{FF2B5EF4-FFF2-40B4-BE49-F238E27FC236}">
+                <a16:creationId xmlns:a16="http://schemas.microsoft.com/office/drawing/2014/main" id="{71AC1A49-4138-9846-8BE2-A61E01634A38}"/>
               </a:ext>
             </a:extLst>
           </p:cNvPr>
@@ -1185,7 +1184,7 @@
         <p:spPr>
           <a:xfrm flipH="1">
             <a:off x="280043" y="877535"/>
-            <a:ext cx="7023434" cy="461665"/>
+            <a:ext cx="5759822" cy="461665"/>
           </a:xfrm>
           <a:prstGeom prst="rect">
             <a:avLst/>
@@ -1215,17 +1214,6 @@
               <a:buChar char="Ø"/>
             </a:pPr>
             <a:r>
-              <a:rPr kumimoji="1" lang="en-US" altLang="zh-CN" sz="2400" b="1" dirty="0">
-                <a:solidFill>
-                  <a:schemeClr val="bg1"/>
-                </a:solidFill>
-                <a:latin typeface="Times New Roman" panose="02020603050405020304" pitchFamily="18" charset="0"/>
-                <a:ea typeface="KaiTi_GB2312" panose="02010609030101010101" pitchFamily="49" charset="-122"/>
-                <a:cs typeface="Times New Roman" panose="02020603050405020304" pitchFamily="18" charset="0"/>
-              </a:rPr>
-              <a:t>4</a:t>
-            </a:r>
-            <a:r>
               <a:rPr kumimoji="1" lang="zh-CN" altLang="en-US" sz="2400" b="1" dirty="0">
                 <a:solidFill>
                   <a:schemeClr val="bg1"/>
@@ -1234,85 +1222,17 @@
                 <a:ea typeface="KaiTi_GB2312" panose="02010609030101010101" pitchFamily="49" charset="-122"/>
                 <a:cs typeface="Times New Roman" panose="02020603050405020304" pitchFamily="18" charset="0"/>
               </a:rPr>
-              <a:t>、</a:t>
-            </a:r>
-            <a:r>
-              <a:rPr kumimoji="1" lang="en-US" altLang="zh-CN" sz="2400" b="1" dirty="0">
-                <a:solidFill>
-                  <a:schemeClr val="bg1"/>
-                </a:solidFill>
-                <a:latin typeface="Times New Roman" panose="02020603050405020304" pitchFamily="18" charset="0"/>
-                <a:ea typeface="KaiTi_GB2312" panose="02010609030101010101" pitchFamily="49" charset="-122"/>
-                <a:cs typeface="Times New Roman" panose="02020603050405020304" pitchFamily="18" charset="0"/>
-              </a:rPr>
-              <a:t> </a:t>
-            </a:r>
-            <a:r>
-              <a:rPr kumimoji="1" lang="zh-CN" altLang="en-US" sz="2400" b="1" dirty="0">
-                <a:solidFill>
-                  <a:schemeClr val="bg1"/>
-                </a:solidFill>
-                <a:latin typeface="Times New Roman" panose="02020603050405020304" pitchFamily="18" charset="0"/>
-                <a:ea typeface="KaiTi_GB2312" panose="02010609030101010101" pitchFamily="49" charset="-122"/>
-                <a:cs typeface="Times New Roman" panose="02020603050405020304" pitchFamily="18" charset="0"/>
-              </a:rPr>
-              <a:t>总结“神奇的”二分查找法模板的编写流程</a:t>
+              <a:t>“神奇的”二分查找法模板的编写流程</a:t>
             </a:r>
           </a:p>
         </p:txBody>
       </p:sp>
       <p:sp>
         <p:nvSpPr>
-          <p:cNvPr id="9" name="矩形 8">
-            <a:extLst>
-              <a:ext uri="{FF2B5EF4-FFF2-40B4-BE49-F238E27FC236}">
-                <a16:creationId xmlns:a16="http://schemas.microsoft.com/office/drawing/2014/main" id="{CB9A4D01-1A8F-6043-8CE9-1345F982CC82}"/>
-              </a:ext>
-            </a:extLst>
-          </p:cNvPr>
-          <p:cNvSpPr/>
-          <p:nvPr/>
-        </p:nvSpPr>
-        <p:spPr>
-          <a:xfrm>
-            <a:off x="4836905" y="6045906"/>
-            <a:ext cx="2256504" cy="338554"/>
-          </a:xfrm>
-          <a:prstGeom prst="rect">
-            <a:avLst/>
-          </a:prstGeom>
-          <a:solidFill>
-            <a:srgbClr val="FF0000"/>
-          </a:solidFill>
-          <a:effectLst>
-            <a:softEdge rad="31750"/>
-          </a:effectLst>
-        </p:spPr>
-        <p:txBody>
-          <a:bodyPr wrap="square">
-            <a:spAutoFit/>
-          </a:bodyPr>
-          <a:lstStyle/>
-          <a:p>
-            <a:r>
-              <a:rPr lang="zh-CN" altLang="en-US" sz="1600" dirty="0">
-                <a:solidFill>
-                  <a:schemeClr val="bg1"/>
-                </a:solidFill>
-                <a:latin typeface="Times New Roman" panose="02020603050405020304" pitchFamily="18" charset="0"/>
-                <a:cs typeface="Times New Roman" panose="02020603050405020304" pitchFamily="18" charset="0"/>
-              </a:rPr>
-              <a:t>至此，代码编写完成。</a:t>
-            </a:r>
-          </a:p>
-        </p:txBody>
-      </p:sp>
-      <p:sp>
-        <p:nvSpPr>
-          <p:cNvPr id="8" name="文本框 7">
-            <a:extLst>
-              <a:ext uri="{FF2B5EF4-FFF2-40B4-BE49-F238E27FC236}">
-                <a16:creationId xmlns:a16="http://schemas.microsoft.com/office/drawing/2014/main" id="{351693FB-0920-4D48-B7D3-4BD94ED4146F}"/>
+          <p:cNvPr id="12" name="文本框 11">
+            <a:extLst>
+              <a:ext uri="{FF2B5EF4-FFF2-40B4-BE49-F238E27FC236}">
+                <a16:creationId xmlns:a16="http://schemas.microsoft.com/office/drawing/2014/main" id="{1492DA36-C024-284D-8AB6-4C5FADDFDDEB}"/>
               </a:ext>
             </a:extLst>
           </p:cNvPr>
@@ -1322,7 +1242,7 @@
         <p:spPr>
           <a:xfrm flipH="1">
             <a:off x="4365436" y="1653070"/>
-            <a:ext cx="3987206" cy="338554"/>
+            <a:ext cx="5301078" cy="338554"/>
           </a:xfrm>
           <a:prstGeom prst="rect">
             <a:avLst/>
@@ -1476,12 +1396,117 @@
           </a:p>
         </p:txBody>
       </p:sp>
+      <p:pic>
+        <p:nvPicPr>
+          <p:cNvPr id="5" name="图片 4">
+            <a:extLst>
+              <a:ext uri="{FF2B5EF4-FFF2-40B4-BE49-F238E27FC236}">
+                <a16:creationId xmlns:a16="http://schemas.microsoft.com/office/drawing/2014/main" id="{C2C5E6B8-AC4E-4946-A215-DFE97749580F}"/>
+              </a:ext>
+            </a:extLst>
+          </p:cNvPr>
+          <p:cNvPicPr>
+            <a:picLocks noChangeAspect="1"/>
+          </p:cNvPicPr>
+          <p:nvPr/>
+        </p:nvPicPr>
+        <p:blipFill>
+          <a:blip r:embed="rId2"/>
+          <a:stretch>
+            <a:fillRect/>
+          </a:stretch>
+        </p:blipFill>
+        <p:spPr>
+          <a:xfrm>
+            <a:off x="3620310" y="1428750"/>
+            <a:ext cx="4974372" cy="5346122"/>
+          </a:xfrm>
+          <a:prstGeom prst="rect">
+            <a:avLst/>
+          </a:prstGeom>
+        </p:spPr>
+      </p:pic>
+      <p:pic>
+        <p:nvPicPr>
+          <p:cNvPr id="7" name="图片 6">
+            <a:extLst>
+              <a:ext uri="{FF2B5EF4-FFF2-40B4-BE49-F238E27FC236}">
+                <a16:creationId xmlns:a16="http://schemas.microsoft.com/office/drawing/2014/main" id="{40872DC1-6167-BA4B-A761-F3FC69AD7E03}"/>
+              </a:ext>
+            </a:extLst>
+          </p:cNvPr>
+          <p:cNvPicPr>
+            <a:picLocks noChangeAspect="1"/>
+          </p:cNvPicPr>
+          <p:nvPr/>
+        </p:nvPicPr>
+        <p:blipFill rotWithShape="1">
+          <a:blip r:embed="rId2"/>
+          <a:srcRect l="75087" t="62438" r="9403" b="9946"/>
+          <a:stretch/>
+        </p:blipFill>
+        <p:spPr>
+          <a:xfrm>
+            <a:off x="4848225" y="3267075"/>
+            <a:ext cx="3162300" cy="3004251"/>
+          </a:xfrm>
+          <a:prstGeom prst="rect">
+            <a:avLst/>
+          </a:prstGeom>
+        </p:spPr>
+      </p:pic>
       <p:sp>
         <p:nvSpPr>
-          <p:cNvPr id="3" name="文本框 2">
-            <a:extLst>
-              <a:ext uri="{FF2B5EF4-FFF2-40B4-BE49-F238E27FC236}">
-                <a16:creationId xmlns:a16="http://schemas.microsoft.com/office/drawing/2014/main" id="{C10CD1F6-5281-1144-8275-00A99AEB534B}"/>
+          <p:cNvPr id="8" name="矩形 7">
+            <a:extLst>
+              <a:ext uri="{FF2B5EF4-FFF2-40B4-BE49-F238E27FC236}">
+                <a16:creationId xmlns:a16="http://schemas.microsoft.com/office/drawing/2014/main" id="{301CC967-0B98-8648-BBCD-9666DF3A75D1}"/>
+              </a:ext>
+            </a:extLst>
+          </p:cNvPr>
+          <p:cNvSpPr/>
+          <p:nvPr/>
+        </p:nvSpPr>
+        <p:spPr>
+          <a:xfrm>
+            <a:off x="6039864" y="2714469"/>
+            <a:ext cx="4879147" cy="338554"/>
+          </a:xfrm>
+          <a:prstGeom prst="rect">
+            <a:avLst/>
+          </a:prstGeom>
+          <a:solidFill>
+            <a:srgbClr val="FF0000"/>
+          </a:solidFill>
+          <a:effectLst>
+            <a:softEdge rad="31750"/>
+          </a:effectLst>
+        </p:spPr>
+        <p:txBody>
+          <a:bodyPr wrap="square">
+            <a:spAutoFit/>
+          </a:bodyPr>
+          <a:lstStyle/>
+          <a:p>
+            <a:r>
+              <a:rPr lang="zh-CN" altLang="en-US" sz="1600" b="1" dirty="0">
+                <a:solidFill>
+                  <a:schemeClr val="bg1"/>
+                </a:solidFill>
+                <a:latin typeface="Times New Roman" panose="02020603050405020304" pitchFamily="18" charset="0"/>
+                <a:cs typeface="Times New Roman" panose="02020603050405020304" pitchFamily="18" charset="0"/>
+              </a:rPr>
+              <a:t>思考左右边界，这是前提。一定不能漏掉目标数值。</a:t>
+            </a:r>
+          </a:p>
+        </p:txBody>
+      </p:sp>
+      <p:sp>
+        <p:nvSpPr>
+          <p:cNvPr id="10" name="文本框 9">
+            <a:extLst>
+              <a:ext uri="{FF2B5EF4-FFF2-40B4-BE49-F238E27FC236}">
+                <a16:creationId xmlns:a16="http://schemas.microsoft.com/office/drawing/2014/main" id="{612CCFA3-353F-5849-81E9-F1A39F1EDA39}"/>
               </a:ext>
             </a:extLst>
           </p:cNvPr>
@@ -1491,7 +1516,7 @@
         <p:spPr>
           <a:xfrm flipH="1">
             <a:off x="280043" y="877535"/>
-            <a:ext cx="7023434" cy="461665"/>
+            <a:ext cx="5759822" cy="461665"/>
           </a:xfrm>
           <a:prstGeom prst="rect">
             <a:avLst/>
@@ -1521,17 +1546,6 @@
               <a:buChar char="Ø"/>
             </a:pPr>
             <a:r>
-              <a:rPr kumimoji="1" lang="en-US" altLang="zh-CN" sz="2400" b="1" dirty="0">
-                <a:solidFill>
-                  <a:schemeClr val="bg1"/>
-                </a:solidFill>
-                <a:latin typeface="Times New Roman" panose="02020603050405020304" pitchFamily="18" charset="0"/>
-                <a:ea typeface="KaiTi_GB2312" panose="02010609030101010101" pitchFamily="49" charset="-122"/>
-                <a:cs typeface="Times New Roman" panose="02020603050405020304" pitchFamily="18" charset="0"/>
-              </a:rPr>
-              <a:t>4</a:t>
-            </a:r>
-            <a:r>
               <a:rPr kumimoji="1" lang="zh-CN" altLang="en-US" sz="2400" b="1" dirty="0">
                 <a:solidFill>
                   <a:schemeClr val="bg1"/>
@@ -1540,144 +1554,17 @@
                 <a:ea typeface="KaiTi_GB2312" panose="02010609030101010101" pitchFamily="49" charset="-122"/>
                 <a:cs typeface="Times New Roman" panose="02020603050405020304" pitchFamily="18" charset="0"/>
               </a:rPr>
-              <a:t>、</a:t>
-            </a:r>
-            <a:r>
-              <a:rPr kumimoji="1" lang="en-US" altLang="zh-CN" sz="2400" b="1" dirty="0">
-                <a:solidFill>
-                  <a:schemeClr val="bg1"/>
-                </a:solidFill>
-                <a:latin typeface="Times New Roman" panose="02020603050405020304" pitchFamily="18" charset="0"/>
-                <a:ea typeface="KaiTi_GB2312" panose="02010609030101010101" pitchFamily="49" charset="-122"/>
-                <a:cs typeface="Times New Roman" panose="02020603050405020304" pitchFamily="18" charset="0"/>
-              </a:rPr>
-              <a:t> </a:t>
-            </a:r>
-            <a:r>
-              <a:rPr kumimoji="1" lang="zh-CN" altLang="en-US" sz="2400" b="1" dirty="0">
-                <a:solidFill>
-                  <a:schemeClr val="bg1"/>
-                </a:solidFill>
-                <a:latin typeface="Times New Roman" panose="02020603050405020304" pitchFamily="18" charset="0"/>
-                <a:ea typeface="KaiTi_GB2312" panose="02010609030101010101" pitchFamily="49" charset="-122"/>
-                <a:cs typeface="Times New Roman" panose="02020603050405020304" pitchFamily="18" charset="0"/>
-              </a:rPr>
-              <a:t>总结“神奇的”二分查找法模板的编写流程</a:t>
-            </a:r>
-          </a:p>
-        </p:txBody>
-      </p:sp>
-      <p:pic>
-        <p:nvPicPr>
-          <p:cNvPr id="5" name="图片 4">
-            <a:extLst>
-              <a:ext uri="{FF2B5EF4-FFF2-40B4-BE49-F238E27FC236}">
-                <a16:creationId xmlns:a16="http://schemas.microsoft.com/office/drawing/2014/main" id="{C2C5E6B8-AC4E-4946-A215-DFE97749580F}"/>
-              </a:ext>
-            </a:extLst>
-          </p:cNvPr>
-          <p:cNvPicPr>
-            <a:picLocks noChangeAspect="1"/>
-          </p:cNvPicPr>
-          <p:nvPr/>
-        </p:nvPicPr>
-        <p:blipFill>
-          <a:blip r:embed="rId2"/>
-          <a:stretch>
-            <a:fillRect/>
-          </a:stretch>
-        </p:blipFill>
-        <p:spPr>
-          <a:xfrm>
-            <a:off x="3620310" y="1428750"/>
-            <a:ext cx="4974372" cy="5346122"/>
-          </a:xfrm>
-          <a:prstGeom prst="rect">
-            <a:avLst/>
-          </a:prstGeom>
-        </p:spPr>
-      </p:pic>
-      <p:pic>
-        <p:nvPicPr>
-          <p:cNvPr id="7" name="图片 6">
-            <a:extLst>
-              <a:ext uri="{FF2B5EF4-FFF2-40B4-BE49-F238E27FC236}">
-                <a16:creationId xmlns:a16="http://schemas.microsoft.com/office/drawing/2014/main" id="{40872DC1-6167-BA4B-A761-F3FC69AD7E03}"/>
-              </a:ext>
-            </a:extLst>
-          </p:cNvPr>
-          <p:cNvPicPr>
-            <a:picLocks noChangeAspect="1"/>
-          </p:cNvPicPr>
-          <p:nvPr/>
-        </p:nvPicPr>
-        <p:blipFill rotWithShape="1">
-          <a:blip r:embed="rId2"/>
-          <a:srcRect l="75087" t="62438" r="9403" b="9946"/>
-          <a:stretch/>
-        </p:blipFill>
-        <p:spPr>
-          <a:xfrm>
-            <a:off x="4848225" y="3267075"/>
-            <a:ext cx="3162300" cy="3004251"/>
-          </a:xfrm>
-          <a:prstGeom prst="rect">
-            <a:avLst/>
-          </a:prstGeom>
-        </p:spPr>
-      </p:pic>
-      <p:sp>
-        <p:nvSpPr>
-          <p:cNvPr id="8" name="矩形 7">
-            <a:extLst>
-              <a:ext uri="{FF2B5EF4-FFF2-40B4-BE49-F238E27FC236}">
-                <a16:creationId xmlns:a16="http://schemas.microsoft.com/office/drawing/2014/main" id="{301CC967-0B98-8648-BBCD-9666DF3A75D1}"/>
-              </a:ext>
-            </a:extLst>
-          </p:cNvPr>
-          <p:cNvSpPr/>
-          <p:nvPr/>
-        </p:nvSpPr>
-        <p:spPr>
-          <a:xfrm>
-            <a:off x="6039865" y="2714469"/>
-            <a:ext cx="4843848" cy="338554"/>
-          </a:xfrm>
-          <a:prstGeom prst="rect">
-            <a:avLst/>
-          </a:prstGeom>
-          <a:solidFill>
-            <a:srgbClr val="FF0000"/>
-          </a:solidFill>
-          <a:effectLst>
-            <a:softEdge rad="31750"/>
-          </a:effectLst>
-        </p:spPr>
-        <p:txBody>
-          <a:bodyPr wrap="square">
-            <a:spAutoFit/>
-          </a:bodyPr>
-          <a:lstStyle/>
-          <a:p>
-            <a:r>
-              <a:rPr lang="zh-CN" altLang="en-US" sz="1600" b="1" dirty="0">
-                <a:solidFill>
-                  <a:schemeClr val="bg1"/>
-                </a:solidFill>
-                <a:latin typeface="Times New Roman" panose="02020603050405020304" pitchFamily="18" charset="0"/>
-                <a:cs typeface="Times New Roman" panose="02020603050405020304" pitchFamily="18" charset="0"/>
-              </a:rPr>
-              <a:t>思考左右边界，这是前提。一定不能漏掉目标数值。</a:t>
+              <a:t>“神奇的”二分查找法模板的编写流程</a:t>
             </a:r>
           </a:p>
         </p:txBody>
       </p:sp>
       <p:sp>
         <p:nvSpPr>
-          <p:cNvPr id="9" name="文本框 8">
-            <a:extLst>
-              <a:ext uri="{FF2B5EF4-FFF2-40B4-BE49-F238E27FC236}">
-                <a16:creationId xmlns:a16="http://schemas.microsoft.com/office/drawing/2014/main" id="{60E31138-A528-C649-9011-0111A8F9491F}"/>
+          <p:cNvPr id="11" name="文本框 10">
+            <a:extLst>
+              <a:ext uri="{FF2B5EF4-FFF2-40B4-BE49-F238E27FC236}">
+                <a16:creationId xmlns:a16="http://schemas.microsoft.com/office/drawing/2014/main" id="{D4D5CD3C-9853-8749-9C25-B26CB89AF30F}"/>
               </a:ext>
             </a:extLst>
           </p:cNvPr>
@@ -1687,7 +1574,7 @@
         <p:spPr>
           <a:xfrm flipH="1">
             <a:off x="4365436" y="1653070"/>
-            <a:ext cx="3987206" cy="338554"/>
+            <a:ext cx="5301078" cy="338554"/>
           </a:xfrm>
           <a:prstGeom prst="rect">
             <a:avLst/>
@@ -1841,12 +1728,247 @@
           </a:p>
         </p:txBody>
       </p:sp>
+      <p:pic>
+        <p:nvPicPr>
+          <p:cNvPr id="5" name="图片 4">
+            <a:extLst>
+              <a:ext uri="{FF2B5EF4-FFF2-40B4-BE49-F238E27FC236}">
+                <a16:creationId xmlns:a16="http://schemas.microsoft.com/office/drawing/2014/main" id="{C2C5E6B8-AC4E-4946-A215-DFE97749580F}"/>
+              </a:ext>
+            </a:extLst>
+          </p:cNvPr>
+          <p:cNvPicPr>
+            <a:picLocks noChangeAspect="1"/>
+          </p:cNvPicPr>
+          <p:nvPr/>
+        </p:nvPicPr>
+        <p:blipFill>
+          <a:blip r:embed="rId2"/>
+          <a:stretch>
+            <a:fillRect/>
+          </a:stretch>
+        </p:blipFill>
+        <p:spPr>
+          <a:xfrm>
+            <a:off x="3620310" y="1428750"/>
+            <a:ext cx="4974372" cy="5346122"/>
+          </a:xfrm>
+          <a:prstGeom prst="rect">
+            <a:avLst/>
+          </a:prstGeom>
+        </p:spPr>
+      </p:pic>
+      <p:pic>
+        <p:nvPicPr>
+          <p:cNvPr id="7" name="图片 6">
+            <a:extLst>
+              <a:ext uri="{FF2B5EF4-FFF2-40B4-BE49-F238E27FC236}">
+                <a16:creationId xmlns:a16="http://schemas.microsoft.com/office/drawing/2014/main" id="{40872DC1-6167-BA4B-A761-F3FC69AD7E03}"/>
+              </a:ext>
+            </a:extLst>
+          </p:cNvPr>
+          <p:cNvPicPr>
+            <a:picLocks noChangeAspect="1"/>
+          </p:cNvPicPr>
+          <p:nvPr/>
+        </p:nvPicPr>
+        <p:blipFill rotWithShape="1">
+          <a:blip r:embed="rId2"/>
+          <a:srcRect l="75087" t="62438" r="9403" b="9946"/>
+          <a:stretch/>
+        </p:blipFill>
+        <p:spPr>
+          <a:xfrm>
+            <a:off x="4848225" y="3583460"/>
+            <a:ext cx="3162300" cy="2409568"/>
+          </a:xfrm>
+          <a:prstGeom prst="rect">
+            <a:avLst/>
+          </a:prstGeom>
+        </p:spPr>
+      </p:pic>
       <p:sp>
         <p:nvSpPr>
-          <p:cNvPr id="3" name="文本框 2">
-            <a:extLst>
-              <a:ext uri="{FF2B5EF4-FFF2-40B4-BE49-F238E27FC236}">
-                <a16:creationId xmlns:a16="http://schemas.microsoft.com/office/drawing/2014/main" id="{C10CD1F6-5281-1144-8275-00A99AEB534B}"/>
+          <p:cNvPr id="8" name="矩形 7">
+            <a:extLst>
+              <a:ext uri="{FF2B5EF4-FFF2-40B4-BE49-F238E27FC236}">
+                <a16:creationId xmlns:a16="http://schemas.microsoft.com/office/drawing/2014/main" id="{301CC967-0B98-8648-BBCD-9666DF3A75D1}"/>
+              </a:ext>
+            </a:extLst>
+          </p:cNvPr>
+          <p:cNvSpPr/>
+          <p:nvPr/>
+        </p:nvSpPr>
+        <p:spPr>
+          <a:xfrm>
+            <a:off x="6838390" y="3407658"/>
+            <a:ext cx="4484033" cy="646331"/>
+          </a:xfrm>
+          <a:prstGeom prst="rect">
+            <a:avLst/>
+          </a:prstGeom>
+          <a:solidFill>
+            <a:srgbClr val="FF0000"/>
+          </a:solidFill>
+          <a:effectLst>
+            <a:softEdge rad="31750"/>
+          </a:effectLst>
+        </p:spPr>
+        <p:txBody>
+          <a:bodyPr wrap="square">
+            <a:spAutoFit/>
+          </a:bodyPr>
+          <a:lstStyle/>
+          <a:p>
+            <a:r>
+              <a:rPr lang="zh-CN" altLang="en-US" sz="1600" b="1" dirty="0">
+                <a:solidFill>
+                  <a:schemeClr val="bg1"/>
+                </a:solidFill>
+                <a:latin typeface="Times New Roman" panose="02020603050405020304" pitchFamily="18" charset="0"/>
+                <a:cs typeface="Times New Roman" panose="02020603050405020304" pitchFamily="18" charset="0"/>
+              </a:rPr>
+              <a:t>不加思考地写下  </a:t>
+            </a:r>
+            <a:r>
+              <a:rPr lang="en-US" altLang="zh-CN" b="1" dirty="0">
+                <a:solidFill>
+                  <a:srgbClr val="FF40FF"/>
+                </a:solidFill>
+                <a:latin typeface="Consolas" panose="020B0609020204030204" pitchFamily="49" charset="0"/>
+                <a:cs typeface="Consolas" panose="020B0609020204030204" pitchFamily="49" charset="0"/>
+              </a:rPr>
+              <a:t>while</a:t>
+            </a:r>
+            <a:r>
+              <a:rPr lang="en-US" altLang="zh-CN" b="1" dirty="0">
+                <a:solidFill>
+                  <a:schemeClr val="bg1"/>
+                </a:solidFill>
+                <a:latin typeface="Consolas" panose="020B0609020204030204" pitchFamily="49" charset="0"/>
+                <a:cs typeface="Consolas" panose="020B0609020204030204" pitchFamily="49" charset="0"/>
+              </a:rPr>
+              <a:t>(left</a:t>
+            </a:r>
+            <a:r>
+              <a:rPr lang="zh-CN" altLang="en-US" b="1" dirty="0">
+                <a:solidFill>
+                  <a:schemeClr val="bg1"/>
+                </a:solidFill>
+                <a:latin typeface="Consolas" panose="020B0609020204030204" pitchFamily="49" charset="0"/>
+                <a:cs typeface="Consolas" panose="020B0609020204030204" pitchFamily="49" charset="0"/>
+              </a:rPr>
+              <a:t> </a:t>
+            </a:r>
+            <a:r>
+              <a:rPr lang="en-US" altLang="zh-CN" b="1" dirty="0">
+                <a:solidFill>
+                  <a:schemeClr val="bg1"/>
+                </a:solidFill>
+                <a:latin typeface="Consolas" panose="020B0609020204030204" pitchFamily="49" charset="0"/>
+                <a:cs typeface="Consolas" panose="020B0609020204030204" pitchFamily="49" charset="0"/>
+              </a:rPr>
+              <a:t>&lt;</a:t>
+            </a:r>
+            <a:r>
+              <a:rPr lang="zh-CN" altLang="en-US" b="1" dirty="0">
+                <a:solidFill>
+                  <a:schemeClr val="bg1"/>
+                </a:solidFill>
+                <a:latin typeface="Consolas" panose="020B0609020204030204" pitchFamily="49" charset="0"/>
+                <a:cs typeface="Consolas" panose="020B0609020204030204" pitchFamily="49" charset="0"/>
+              </a:rPr>
+              <a:t> </a:t>
+            </a:r>
+            <a:r>
+              <a:rPr lang="en-US" altLang="zh-CN" b="1" dirty="0">
+                <a:solidFill>
+                  <a:schemeClr val="bg1"/>
+                </a:solidFill>
+                <a:latin typeface="Consolas" panose="020B0609020204030204" pitchFamily="49" charset="0"/>
+                <a:cs typeface="Consolas" panose="020B0609020204030204" pitchFamily="49" charset="0"/>
+              </a:rPr>
+              <a:t>right)</a:t>
+            </a:r>
+            <a:r>
+              <a:rPr lang="zh-CN" altLang="en-US" sz="1600" b="1" dirty="0">
+                <a:solidFill>
+                  <a:schemeClr val="bg1"/>
+                </a:solidFill>
+                <a:latin typeface="Times New Roman" panose="02020603050405020304" pitchFamily="18" charset="0"/>
+                <a:cs typeface="Times New Roman" panose="02020603050405020304" pitchFamily="18" charset="0"/>
+              </a:rPr>
+              <a:t>，退出循环时也不必思考返回 </a:t>
+            </a:r>
+            <a:r>
+              <a:rPr lang="en-US" altLang="zh-CN" b="1" dirty="0">
+                <a:solidFill>
+                  <a:schemeClr val="bg1"/>
+                </a:solidFill>
+                <a:latin typeface="Consolas" panose="020B0609020204030204" pitchFamily="49" charset="0"/>
+                <a:cs typeface="Consolas" panose="020B0609020204030204" pitchFamily="49" charset="0"/>
+              </a:rPr>
+              <a:t>left</a:t>
+            </a:r>
+            <a:r>
+              <a:rPr lang="zh-CN" altLang="en-US" sz="1600" b="1" dirty="0">
+                <a:solidFill>
+                  <a:schemeClr val="bg1"/>
+                </a:solidFill>
+                <a:latin typeface="Times New Roman" panose="02020603050405020304" pitchFamily="18" charset="0"/>
+                <a:cs typeface="Times New Roman" panose="02020603050405020304" pitchFamily="18" charset="0"/>
+              </a:rPr>
+              <a:t> </a:t>
+            </a:r>
+            <a:r>
+              <a:rPr lang="zh-CN" altLang="en-US" b="1" dirty="0">
+                <a:solidFill>
+                  <a:schemeClr val="bg1"/>
+                </a:solidFill>
+                <a:latin typeface="Consolas" panose="020B0609020204030204" pitchFamily="49" charset="0"/>
+                <a:cs typeface="Consolas" panose="020B0609020204030204" pitchFamily="49" charset="0"/>
+              </a:rPr>
+              <a:t>还是</a:t>
+            </a:r>
+            <a:r>
+              <a:rPr lang="zh-CN" altLang="en-US" sz="1600" b="1" dirty="0">
+                <a:solidFill>
+                  <a:schemeClr val="bg1"/>
+                </a:solidFill>
+                <a:latin typeface="Times New Roman" panose="02020603050405020304" pitchFamily="18" charset="0"/>
+                <a:cs typeface="Times New Roman" panose="02020603050405020304" pitchFamily="18" charset="0"/>
+              </a:rPr>
+              <a:t> </a:t>
+            </a:r>
+            <a:r>
+              <a:rPr lang="en-US" altLang="zh-CN" b="1" dirty="0">
+                <a:solidFill>
+                  <a:schemeClr val="bg1"/>
+                </a:solidFill>
+                <a:latin typeface="Consolas" panose="020B0609020204030204" pitchFamily="49" charset="0"/>
+                <a:cs typeface="Consolas" panose="020B0609020204030204" pitchFamily="49" charset="0"/>
+              </a:rPr>
+              <a:t>right</a:t>
+            </a:r>
+            <a:r>
+              <a:rPr lang="zh-CN" altLang="en-US" sz="1600" b="1" dirty="0">
+                <a:solidFill>
+                  <a:schemeClr val="bg1"/>
+                </a:solidFill>
+                <a:latin typeface="Times New Roman" panose="02020603050405020304" pitchFamily="18" charset="0"/>
+                <a:cs typeface="Times New Roman" panose="02020603050405020304" pitchFamily="18" charset="0"/>
+              </a:rPr>
+              <a:t>。</a:t>
+            </a:r>
+          </a:p>
+        </p:txBody>
+      </p:sp>
+      <p:sp>
+        <p:nvSpPr>
+          <p:cNvPr id="11" name="文本框 10">
+            <a:extLst>
+              <a:ext uri="{FF2B5EF4-FFF2-40B4-BE49-F238E27FC236}">
+                <a16:creationId xmlns:a16="http://schemas.microsoft.com/office/drawing/2014/main" id="{3FDA5E71-8D43-AB4C-90D7-23022326252A}"/>
               </a:ext>
             </a:extLst>
           </p:cNvPr>
@@ -1856,7 +1978,7 @@
         <p:spPr>
           <a:xfrm flipH="1">
             <a:off x="280043" y="877535"/>
-            <a:ext cx="7023434" cy="461665"/>
+            <a:ext cx="5759822" cy="461665"/>
           </a:xfrm>
           <a:prstGeom prst="rect">
             <a:avLst/>
@@ -1886,17 +2008,6 @@
               <a:buChar char="Ø"/>
             </a:pPr>
             <a:r>
-              <a:rPr kumimoji="1" lang="en-US" altLang="zh-CN" sz="2400" b="1" dirty="0">
-                <a:solidFill>
-                  <a:schemeClr val="bg1"/>
-                </a:solidFill>
-                <a:latin typeface="Times New Roman" panose="02020603050405020304" pitchFamily="18" charset="0"/>
-                <a:ea typeface="KaiTi_GB2312" panose="02010609030101010101" pitchFamily="49" charset="-122"/>
-                <a:cs typeface="Times New Roman" panose="02020603050405020304" pitchFamily="18" charset="0"/>
-              </a:rPr>
-              <a:t>4</a:t>
-            </a:r>
-            <a:r>
               <a:rPr kumimoji="1" lang="zh-CN" altLang="en-US" sz="2400" b="1" dirty="0">
                 <a:solidFill>
                   <a:schemeClr val="bg1"/>
@@ -1905,274 +2016,17 @@
                 <a:ea typeface="KaiTi_GB2312" panose="02010609030101010101" pitchFamily="49" charset="-122"/>
                 <a:cs typeface="Times New Roman" panose="02020603050405020304" pitchFamily="18" charset="0"/>
               </a:rPr>
-              <a:t>、</a:t>
-            </a:r>
-            <a:r>
-              <a:rPr kumimoji="1" lang="en-US" altLang="zh-CN" sz="2400" b="1" dirty="0">
-                <a:solidFill>
-                  <a:schemeClr val="bg1"/>
-                </a:solidFill>
-                <a:latin typeface="Times New Roman" panose="02020603050405020304" pitchFamily="18" charset="0"/>
-                <a:ea typeface="KaiTi_GB2312" panose="02010609030101010101" pitchFamily="49" charset="-122"/>
-                <a:cs typeface="Times New Roman" panose="02020603050405020304" pitchFamily="18" charset="0"/>
-              </a:rPr>
-              <a:t> </a:t>
-            </a:r>
-            <a:r>
-              <a:rPr kumimoji="1" lang="zh-CN" altLang="en-US" sz="2400" b="1" dirty="0">
-                <a:solidFill>
-                  <a:schemeClr val="bg1"/>
-                </a:solidFill>
-                <a:latin typeface="Times New Roman" panose="02020603050405020304" pitchFamily="18" charset="0"/>
-                <a:ea typeface="KaiTi_GB2312" panose="02010609030101010101" pitchFamily="49" charset="-122"/>
-                <a:cs typeface="Times New Roman" panose="02020603050405020304" pitchFamily="18" charset="0"/>
-              </a:rPr>
-              <a:t>总结“神奇的”二分查找法模板的编写流程</a:t>
-            </a:r>
-          </a:p>
-        </p:txBody>
-      </p:sp>
-      <p:pic>
-        <p:nvPicPr>
-          <p:cNvPr id="5" name="图片 4">
-            <a:extLst>
-              <a:ext uri="{FF2B5EF4-FFF2-40B4-BE49-F238E27FC236}">
-                <a16:creationId xmlns:a16="http://schemas.microsoft.com/office/drawing/2014/main" id="{C2C5E6B8-AC4E-4946-A215-DFE97749580F}"/>
-              </a:ext>
-            </a:extLst>
-          </p:cNvPr>
-          <p:cNvPicPr>
-            <a:picLocks noChangeAspect="1"/>
-          </p:cNvPicPr>
-          <p:nvPr/>
-        </p:nvPicPr>
-        <p:blipFill>
-          <a:blip r:embed="rId2"/>
-          <a:stretch>
-            <a:fillRect/>
-          </a:stretch>
-        </p:blipFill>
-        <p:spPr>
-          <a:xfrm>
-            <a:off x="3620310" y="1428750"/>
-            <a:ext cx="4974372" cy="5346122"/>
-          </a:xfrm>
-          <a:prstGeom prst="rect">
-            <a:avLst/>
-          </a:prstGeom>
-        </p:spPr>
-      </p:pic>
-      <p:pic>
-        <p:nvPicPr>
-          <p:cNvPr id="7" name="图片 6">
-            <a:extLst>
-              <a:ext uri="{FF2B5EF4-FFF2-40B4-BE49-F238E27FC236}">
-                <a16:creationId xmlns:a16="http://schemas.microsoft.com/office/drawing/2014/main" id="{40872DC1-6167-BA4B-A761-F3FC69AD7E03}"/>
-              </a:ext>
-            </a:extLst>
-          </p:cNvPr>
-          <p:cNvPicPr>
-            <a:picLocks noChangeAspect="1"/>
-          </p:cNvPicPr>
-          <p:nvPr/>
-        </p:nvPicPr>
-        <p:blipFill rotWithShape="1">
-          <a:blip r:embed="rId2"/>
-          <a:srcRect l="75087" t="62438" r="9403" b="9946"/>
-          <a:stretch/>
-        </p:blipFill>
-        <p:spPr>
-          <a:xfrm>
-            <a:off x="4848225" y="3583460"/>
-            <a:ext cx="3162300" cy="2409568"/>
-          </a:xfrm>
-          <a:prstGeom prst="rect">
-            <a:avLst/>
-          </a:prstGeom>
-        </p:spPr>
-      </p:pic>
-      <p:sp>
-        <p:nvSpPr>
-          <p:cNvPr id="8" name="矩形 7">
-            <a:extLst>
-              <a:ext uri="{FF2B5EF4-FFF2-40B4-BE49-F238E27FC236}">
-                <a16:creationId xmlns:a16="http://schemas.microsoft.com/office/drawing/2014/main" id="{301CC967-0B98-8648-BBCD-9666DF3A75D1}"/>
-              </a:ext>
-            </a:extLst>
-          </p:cNvPr>
-          <p:cNvSpPr/>
-          <p:nvPr/>
-        </p:nvSpPr>
-        <p:spPr>
-          <a:xfrm>
-            <a:off x="6838390" y="3407658"/>
-            <a:ext cx="4484033" cy="646331"/>
-          </a:xfrm>
-          <a:prstGeom prst="rect">
-            <a:avLst/>
-          </a:prstGeom>
-          <a:solidFill>
-            <a:srgbClr val="FF0000"/>
-          </a:solidFill>
-          <a:effectLst>
-            <a:softEdge rad="31750"/>
-          </a:effectLst>
-        </p:spPr>
-        <p:txBody>
-          <a:bodyPr wrap="square">
-            <a:spAutoFit/>
-          </a:bodyPr>
-          <a:lstStyle/>
-          <a:p>
-            <a:r>
-              <a:rPr lang="zh-CN" altLang="en-US" sz="1600" b="1" dirty="0">
-                <a:solidFill>
-                  <a:schemeClr val="bg1"/>
-                </a:solidFill>
-                <a:latin typeface="Times New Roman" panose="02020603050405020304" pitchFamily="18" charset="0"/>
-                <a:cs typeface="Times New Roman" panose="02020603050405020304" pitchFamily="18" charset="0"/>
-              </a:rPr>
-              <a:t>不加思考地写下  </a:t>
-            </a:r>
-            <a:r>
-              <a:rPr lang="en-US" altLang="zh-CN" b="1" dirty="0">
-                <a:solidFill>
-                  <a:srgbClr val="FF40FF"/>
-                </a:solidFill>
-                <a:latin typeface="Consolas" panose="020B0609020204030204" pitchFamily="49" charset="0"/>
-                <a:cs typeface="Consolas" panose="020B0609020204030204" pitchFamily="49" charset="0"/>
-              </a:rPr>
-              <a:t>while</a:t>
-            </a:r>
-            <a:r>
-              <a:rPr lang="en-US" altLang="zh-CN" b="1" dirty="0">
-                <a:solidFill>
-                  <a:schemeClr val="bg1"/>
-                </a:solidFill>
-                <a:latin typeface="Consolas" panose="020B0609020204030204" pitchFamily="49" charset="0"/>
-                <a:cs typeface="Consolas" panose="020B0609020204030204" pitchFamily="49" charset="0"/>
-              </a:rPr>
-              <a:t>(left</a:t>
-            </a:r>
-            <a:r>
-              <a:rPr lang="zh-CN" altLang="en-US" b="1" dirty="0">
-                <a:solidFill>
-                  <a:schemeClr val="bg1"/>
-                </a:solidFill>
-                <a:latin typeface="Consolas" panose="020B0609020204030204" pitchFamily="49" charset="0"/>
-                <a:cs typeface="Consolas" panose="020B0609020204030204" pitchFamily="49" charset="0"/>
-              </a:rPr>
-              <a:t> </a:t>
-            </a:r>
-            <a:r>
-              <a:rPr lang="en-US" altLang="zh-CN" b="1" dirty="0">
-                <a:solidFill>
-                  <a:schemeClr val="bg1"/>
-                </a:solidFill>
-                <a:latin typeface="Consolas" panose="020B0609020204030204" pitchFamily="49" charset="0"/>
-                <a:cs typeface="Consolas" panose="020B0609020204030204" pitchFamily="49" charset="0"/>
-              </a:rPr>
-              <a:t>&lt;</a:t>
-            </a:r>
-            <a:r>
-              <a:rPr lang="zh-CN" altLang="en-US" b="1" dirty="0">
-                <a:solidFill>
-                  <a:schemeClr val="bg1"/>
-                </a:solidFill>
-                <a:latin typeface="Consolas" panose="020B0609020204030204" pitchFamily="49" charset="0"/>
-                <a:cs typeface="Consolas" panose="020B0609020204030204" pitchFamily="49" charset="0"/>
-              </a:rPr>
-              <a:t> </a:t>
-            </a:r>
-            <a:r>
-              <a:rPr lang="en-US" altLang="zh-CN" b="1" dirty="0">
-                <a:solidFill>
-                  <a:schemeClr val="bg1"/>
-                </a:solidFill>
-                <a:latin typeface="Consolas" panose="020B0609020204030204" pitchFamily="49" charset="0"/>
-                <a:cs typeface="Consolas" panose="020B0609020204030204" pitchFamily="49" charset="0"/>
-              </a:rPr>
-              <a:t>right)</a:t>
-            </a:r>
-            <a:r>
-              <a:rPr lang="zh-CN" altLang="en-US" sz="1600" b="1" dirty="0">
-                <a:solidFill>
-                  <a:schemeClr val="bg1"/>
-                </a:solidFill>
-                <a:latin typeface="Times New Roman" panose="02020603050405020304" pitchFamily="18" charset="0"/>
-                <a:cs typeface="Times New Roman" panose="02020603050405020304" pitchFamily="18" charset="0"/>
-              </a:rPr>
-              <a:t>，退出循环时也不必思考返回 </a:t>
-            </a:r>
-            <a:r>
-              <a:rPr lang="en-US" altLang="zh-CN" b="1" dirty="0">
-                <a:solidFill>
-                  <a:schemeClr val="bg1"/>
-                </a:solidFill>
-                <a:latin typeface="Consolas" panose="020B0609020204030204" pitchFamily="49" charset="0"/>
-                <a:cs typeface="Consolas" panose="020B0609020204030204" pitchFamily="49" charset="0"/>
-              </a:rPr>
-              <a:t>left</a:t>
-            </a:r>
-            <a:r>
-              <a:rPr lang="zh-CN" altLang="en-US" sz="1600" b="1" dirty="0">
-                <a:solidFill>
-                  <a:schemeClr val="bg1"/>
-                </a:solidFill>
-                <a:latin typeface="Times New Roman" panose="02020603050405020304" pitchFamily="18" charset="0"/>
-                <a:cs typeface="Times New Roman" panose="02020603050405020304" pitchFamily="18" charset="0"/>
-              </a:rPr>
-              <a:t> </a:t>
-            </a:r>
-            <a:r>
-              <a:rPr lang="zh-CN" altLang="en-US" b="1" dirty="0">
-                <a:solidFill>
-                  <a:schemeClr val="bg1"/>
-                </a:solidFill>
-                <a:latin typeface="Consolas" panose="020B0609020204030204" pitchFamily="49" charset="0"/>
-                <a:cs typeface="Consolas" panose="020B0609020204030204" pitchFamily="49" charset="0"/>
-              </a:rPr>
-              <a:t>还是</a:t>
-            </a:r>
-            <a:r>
-              <a:rPr lang="zh-CN" altLang="en-US" sz="1600" b="1" dirty="0">
-                <a:solidFill>
-                  <a:schemeClr val="bg1"/>
-                </a:solidFill>
-                <a:latin typeface="Times New Roman" panose="02020603050405020304" pitchFamily="18" charset="0"/>
-                <a:cs typeface="Times New Roman" panose="02020603050405020304" pitchFamily="18" charset="0"/>
-              </a:rPr>
-              <a:t> </a:t>
-            </a:r>
-            <a:r>
-              <a:rPr lang="en-US" altLang="zh-CN" b="1" dirty="0">
-                <a:solidFill>
-                  <a:schemeClr val="bg1"/>
-                </a:solidFill>
-                <a:latin typeface="Consolas" panose="020B0609020204030204" pitchFamily="49" charset="0"/>
-                <a:cs typeface="Consolas" panose="020B0609020204030204" pitchFamily="49" charset="0"/>
-              </a:rPr>
-              <a:t>right</a:t>
-            </a:r>
-            <a:r>
-              <a:rPr lang="zh-CN" altLang="en-US" sz="1600" b="1" dirty="0">
-                <a:solidFill>
-                  <a:schemeClr val="bg1"/>
-                </a:solidFill>
-                <a:latin typeface="Times New Roman" panose="02020603050405020304" pitchFamily="18" charset="0"/>
-                <a:cs typeface="Times New Roman" panose="02020603050405020304" pitchFamily="18" charset="0"/>
-              </a:rPr>
-              <a:t>。</a:t>
+              <a:t>“神奇的”二分查找法模板的编写流程</a:t>
             </a:r>
           </a:p>
         </p:txBody>
       </p:sp>
       <p:sp>
         <p:nvSpPr>
-          <p:cNvPr id="9" name="文本框 8">
-            <a:extLst>
-              <a:ext uri="{FF2B5EF4-FFF2-40B4-BE49-F238E27FC236}">
-                <a16:creationId xmlns:a16="http://schemas.microsoft.com/office/drawing/2014/main" id="{CE3F9DF5-9B33-DA4D-8915-BFF183064B2C}"/>
+          <p:cNvPr id="12" name="文本框 11">
+            <a:extLst>
+              <a:ext uri="{FF2B5EF4-FFF2-40B4-BE49-F238E27FC236}">
+                <a16:creationId xmlns:a16="http://schemas.microsoft.com/office/drawing/2014/main" id="{808B02B2-AFBC-A749-953B-CB90687C551E}"/>
               </a:ext>
             </a:extLst>
           </p:cNvPr>
@@ -2182,7 +2036,7 @@
         <p:spPr>
           <a:xfrm flipH="1">
             <a:off x="4365436" y="1653070"/>
-            <a:ext cx="3987206" cy="338554"/>
+            <a:ext cx="5301078" cy="338554"/>
           </a:xfrm>
           <a:prstGeom prst="rect">
             <a:avLst/>
@@ -2336,12 +2190,195 @@
           </a:p>
         </p:txBody>
       </p:sp>
+      <p:pic>
+        <p:nvPicPr>
+          <p:cNvPr id="5" name="图片 4">
+            <a:extLst>
+              <a:ext uri="{FF2B5EF4-FFF2-40B4-BE49-F238E27FC236}">
+                <a16:creationId xmlns:a16="http://schemas.microsoft.com/office/drawing/2014/main" id="{C2C5E6B8-AC4E-4946-A215-DFE97749580F}"/>
+              </a:ext>
+            </a:extLst>
+          </p:cNvPr>
+          <p:cNvPicPr>
+            <a:picLocks noChangeAspect="1"/>
+          </p:cNvPicPr>
+          <p:nvPr/>
+        </p:nvPicPr>
+        <p:blipFill>
+          <a:blip r:embed="rId2"/>
+          <a:stretch>
+            <a:fillRect/>
+          </a:stretch>
+        </p:blipFill>
+        <p:spPr>
+          <a:xfrm>
+            <a:off x="3620310" y="1428750"/>
+            <a:ext cx="4974372" cy="5346122"/>
+          </a:xfrm>
+          <a:prstGeom prst="rect">
+            <a:avLst/>
+          </a:prstGeom>
+        </p:spPr>
+      </p:pic>
+      <p:pic>
+        <p:nvPicPr>
+          <p:cNvPr id="7" name="图片 6">
+            <a:extLst>
+              <a:ext uri="{FF2B5EF4-FFF2-40B4-BE49-F238E27FC236}">
+                <a16:creationId xmlns:a16="http://schemas.microsoft.com/office/drawing/2014/main" id="{40872DC1-6167-BA4B-A761-F3FC69AD7E03}"/>
+              </a:ext>
+            </a:extLst>
+          </p:cNvPr>
+          <p:cNvPicPr>
+            <a:picLocks noChangeAspect="1"/>
+          </p:cNvPicPr>
+          <p:nvPr/>
+        </p:nvPicPr>
+        <p:blipFill rotWithShape="1">
+          <a:blip r:embed="rId2"/>
+          <a:srcRect l="75087" t="62438" r="9403" b="9946"/>
+          <a:stretch/>
+        </p:blipFill>
+        <p:spPr>
+          <a:xfrm>
+            <a:off x="4848225" y="3830597"/>
+            <a:ext cx="3162300" cy="2409568"/>
+          </a:xfrm>
+          <a:prstGeom prst="rect">
+            <a:avLst/>
+          </a:prstGeom>
+        </p:spPr>
+      </p:pic>
       <p:sp>
         <p:nvSpPr>
-          <p:cNvPr id="3" name="文本框 2">
-            <a:extLst>
-              <a:ext uri="{FF2B5EF4-FFF2-40B4-BE49-F238E27FC236}">
-                <a16:creationId xmlns:a16="http://schemas.microsoft.com/office/drawing/2014/main" id="{C10CD1F6-5281-1144-8275-00A99AEB534B}"/>
+          <p:cNvPr id="8" name="矩形 7">
+            <a:extLst>
+              <a:ext uri="{FF2B5EF4-FFF2-40B4-BE49-F238E27FC236}">
+                <a16:creationId xmlns:a16="http://schemas.microsoft.com/office/drawing/2014/main" id="{301CC967-0B98-8648-BBCD-9666DF3A75D1}"/>
+              </a:ext>
+            </a:extLst>
+          </p:cNvPr>
+          <p:cNvSpPr/>
+          <p:nvPr/>
+        </p:nvSpPr>
+        <p:spPr>
+          <a:xfrm>
+            <a:off x="8010526" y="3538209"/>
+            <a:ext cx="4038040" cy="1077218"/>
+          </a:xfrm>
+          <a:prstGeom prst="rect">
+            <a:avLst/>
+          </a:prstGeom>
+          <a:solidFill>
+            <a:srgbClr val="FF0000"/>
+          </a:solidFill>
+          <a:effectLst>
+            <a:softEdge rad="31750"/>
+          </a:effectLst>
+        </p:spPr>
+        <p:txBody>
+          <a:bodyPr wrap="square">
+            <a:spAutoFit/>
+          </a:bodyPr>
+          <a:lstStyle/>
+          <a:p>
+            <a:r>
+              <a:rPr lang="en-US" altLang="zh-CN" sz="1600" b="1" dirty="0">
+                <a:solidFill>
+                  <a:schemeClr val="bg1"/>
+                </a:solidFill>
+                <a:latin typeface="Times New Roman" panose="02020603050405020304" pitchFamily="18" charset="0"/>
+                <a:cs typeface="Times New Roman" panose="02020603050405020304" pitchFamily="18" charset="0"/>
+              </a:rPr>
+              <a:t>1</a:t>
+            </a:r>
+            <a:r>
+              <a:rPr lang="zh-CN" altLang="en-US" sz="1600" b="1" dirty="0">
+                <a:solidFill>
+                  <a:schemeClr val="bg1"/>
+                </a:solidFill>
+                <a:latin typeface="Times New Roman" panose="02020603050405020304" pitchFamily="18" charset="0"/>
+                <a:cs typeface="Times New Roman" panose="02020603050405020304" pitchFamily="18" charset="0"/>
+              </a:rPr>
+              <a:t>、先取左中位数，以后根据分支的逻辑，决定是否要修改成右中位数；</a:t>
+            </a:r>
+            <a:endParaRPr lang="en-US" altLang="zh-CN" sz="1600" b="1" dirty="0">
+              <a:solidFill>
+                <a:schemeClr val="bg1"/>
+              </a:solidFill>
+              <a:latin typeface="Times New Roman" panose="02020603050405020304" pitchFamily="18" charset="0"/>
+              <a:cs typeface="Times New Roman" panose="02020603050405020304" pitchFamily="18" charset="0"/>
+            </a:endParaRPr>
+          </a:p>
+          <a:p>
+            <a:r>
+              <a:rPr lang="en-US" altLang="zh-CN" sz="1600" b="1" dirty="0">
+                <a:solidFill>
+                  <a:schemeClr val="bg1"/>
+                </a:solidFill>
+                <a:latin typeface="Times New Roman" panose="02020603050405020304" pitchFamily="18" charset="0"/>
+                <a:cs typeface="Times New Roman" panose="02020603050405020304" pitchFamily="18" charset="0"/>
+              </a:rPr>
+              <a:t>2</a:t>
+            </a:r>
+            <a:r>
+              <a:rPr lang="zh-CN" altLang="en-US" sz="1600" b="1" dirty="0">
+                <a:solidFill>
+                  <a:schemeClr val="bg1"/>
+                </a:solidFill>
+                <a:latin typeface="Times New Roman" panose="02020603050405020304" pitchFamily="18" charset="0"/>
+                <a:cs typeface="Times New Roman" panose="02020603050405020304" pitchFamily="18" charset="0"/>
+              </a:rPr>
+              <a:t>、注意：取中位数最好的写法是：</a:t>
+            </a:r>
+            <a:endParaRPr lang="en-US" altLang="zh-CN" sz="1600" b="1" dirty="0">
+              <a:solidFill>
+                <a:schemeClr val="bg1"/>
+              </a:solidFill>
+              <a:latin typeface="Times New Roman" panose="02020603050405020304" pitchFamily="18" charset="0"/>
+              <a:cs typeface="Times New Roman" panose="02020603050405020304" pitchFamily="18" charset="0"/>
+            </a:endParaRPr>
+          </a:p>
+          <a:p>
+            <a:r>
+              <a:rPr lang="zh-CN" altLang="en-US" sz="1600" b="1" dirty="0">
+                <a:solidFill>
+                  <a:schemeClr val="bg1"/>
+                </a:solidFill>
+                <a:latin typeface="Times New Roman" panose="02020603050405020304" pitchFamily="18" charset="0"/>
+                <a:cs typeface="Times New Roman" panose="02020603050405020304" pitchFamily="18" charset="0"/>
+              </a:rPr>
+              <a:t>左边界“</a:t>
+            </a:r>
+            <a:r>
+              <a:rPr lang="en-US" altLang="zh-CN" sz="1600" b="1" dirty="0">
+                <a:solidFill>
+                  <a:schemeClr val="bg1"/>
+                </a:solidFill>
+                <a:latin typeface="Times New Roman" panose="02020603050405020304" pitchFamily="18" charset="0"/>
+                <a:cs typeface="Times New Roman" panose="02020603050405020304" pitchFamily="18" charset="0"/>
+              </a:rPr>
+              <a:t>+</a:t>
+            </a:r>
+            <a:r>
+              <a:rPr lang="zh-CN" altLang="en-US" sz="1600" b="1" dirty="0">
+                <a:solidFill>
+                  <a:schemeClr val="bg1"/>
+                </a:solidFill>
+                <a:latin typeface="Times New Roman" panose="02020603050405020304" pitchFamily="18" charset="0"/>
+                <a:cs typeface="Times New Roman" panose="02020603050405020304" pitchFamily="18" charset="0"/>
+              </a:rPr>
+              <a:t>”右边界，再“无符号右移”。</a:t>
+            </a:r>
+          </a:p>
+        </p:txBody>
+      </p:sp>
+      <p:sp>
+        <p:nvSpPr>
+          <p:cNvPr id="11" name="文本框 10">
+            <a:extLst>
+              <a:ext uri="{FF2B5EF4-FFF2-40B4-BE49-F238E27FC236}">
+                <a16:creationId xmlns:a16="http://schemas.microsoft.com/office/drawing/2014/main" id="{ACB6B521-2618-8247-B453-9061D98EE0B9}"/>
               </a:ext>
             </a:extLst>
           </p:cNvPr>
@@ -2351,7 +2388,7 @@
         <p:spPr>
           <a:xfrm flipH="1">
             <a:off x="280043" y="877535"/>
-            <a:ext cx="7023434" cy="461665"/>
+            <a:ext cx="5759822" cy="461665"/>
           </a:xfrm>
           <a:prstGeom prst="rect">
             <a:avLst/>
@@ -2381,17 +2418,6 @@
               <a:buChar char="Ø"/>
             </a:pPr>
             <a:r>
-              <a:rPr kumimoji="1" lang="en-US" altLang="zh-CN" sz="2400" b="1" dirty="0">
-                <a:solidFill>
-                  <a:schemeClr val="bg1"/>
-                </a:solidFill>
-                <a:latin typeface="Times New Roman" panose="02020603050405020304" pitchFamily="18" charset="0"/>
-                <a:ea typeface="KaiTi_GB2312" panose="02010609030101010101" pitchFamily="49" charset="-122"/>
-                <a:cs typeface="Times New Roman" panose="02020603050405020304" pitchFamily="18" charset="0"/>
-              </a:rPr>
-              <a:t>4</a:t>
-            </a:r>
-            <a:r>
               <a:rPr kumimoji="1" lang="zh-CN" altLang="en-US" sz="2400" b="1" dirty="0">
                 <a:solidFill>
                   <a:schemeClr val="bg1"/>
@@ -2400,222 +2426,17 @@
                 <a:ea typeface="KaiTi_GB2312" panose="02010609030101010101" pitchFamily="49" charset="-122"/>
                 <a:cs typeface="Times New Roman" panose="02020603050405020304" pitchFamily="18" charset="0"/>
               </a:rPr>
-              <a:t>、</a:t>
-            </a:r>
-            <a:r>
-              <a:rPr kumimoji="1" lang="en-US" altLang="zh-CN" sz="2400" b="1" dirty="0">
-                <a:solidFill>
-                  <a:schemeClr val="bg1"/>
-                </a:solidFill>
-                <a:latin typeface="Times New Roman" panose="02020603050405020304" pitchFamily="18" charset="0"/>
-                <a:ea typeface="KaiTi_GB2312" panose="02010609030101010101" pitchFamily="49" charset="-122"/>
-                <a:cs typeface="Times New Roman" panose="02020603050405020304" pitchFamily="18" charset="0"/>
-              </a:rPr>
-              <a:t> </a:t>
-            </a:r>
-            <a:r>
-              <a:rPr kumimoji="1" lang="zh-CN" altLang="en-US" sz="2400" b="1" dirty="0">
-                <a:solidFill>
-                  <a:schemeClr val="bg1"/>
-                </a:solidFill>
-                <a:latin typeface="Times New Roman" panose="02020603050405020304" pitchFamily="18" charset="0"/>
-                <a:ea typeface="KaiTi_GB2312" panose="02010609030101010101" pitchFamily="49" charset="-122"/>
-                <a:cs typeface="Times New Roman" panose="02020603050405020304" pitchFamily="18" charset="0"/>
-              </a:rPr>
-              <a:t>总结“神奇的”二分查找法模板的编写流程</a:t>
-            </a:r>
-          </a:p>
-        </p:txBody>
-      </p:sp>
-      <p:pic>
-        <p:nvPicPr>
-          <p:cNvPr id="5" name="图片 4">
-            <a:extLst>
-              <a:ext uri="{FF2B5EF4-FFF2-40B4-BE49-F238E27FC236}">
-                <a16:creationId xmlns:a16="http://schemas.microsoft.com/office/drawing/2014/main" id="{C2C5E6B8-AC4E-4946-A215-DFE97749580F}"/>
-              </a:ext>
-            </a:extLst>
-          </p:cNvPr>
-          <p:cNvPicPr>
-            <a:picLocks noChangeAspect="1"/>
-          </p:cNvPicPr>
-          <p:nvPr/>
-        </p:nvPicPr>
-        <p:blipFill>
-          <a:blip r:embed="rId2"/>
-          <a:stretch>
-            <a:fillRect/>
-          </a:stretch>
-        </p:blipFill>
-        <p:spPr>
-          <a:xfrm>
-            <a:off x="3620310" y="1428750"/>
-            <a:ext cx="4974372" cy="5346122"/>
-          </a:xfrm>
-          <a:prstGeom prst="rect">
-            <a:avLst/>
-          </a:prstGeom>
-        </p:spPr>
-      </p:pic>
-      <p:pic>
-        <p:nvPicPr>
-          <p:cNvPr id="7" name="图片 6">
-            <a:extLst>
-              <a:ext uri="{FF2B5EF4-FFF2-40B4-BE49-F238E27FC236}">
-                <a16:creationId xmlns:a16="http://schemas.microsoft.com/office/drawing/2014/main" id="{40872DC1-6167-BA4B-A761-F3FC69AD7E03}"/>
-              </a:ext>
-            </a:extLst>
-          </p:cNvPr>
-          <p:cNvPicPr>
-            <a:picLocks noChangeAspect="1"/>
-          </p:cNvPicPr>
-          <p:nvPr/>
-        </p:nvPicPr>
-        <p:blipFill rotWithShape="1">
-          <a:blip r:embed="rId2"/>
-          <a:srcRect l="75087" t="62438" r="9403" b="9946"/>
-          <a:stretch/>
-        </p:blipFill>
-        <p:spPr>
-          <a:xfrm>
-            <a:off x="4848225" y="3830597"/>
-            <a:ext cx="3162300" cy="2409568"/>
-          </a:xfrm>
-          <a:prstGeom prst="rect">
-            <a:avLst/>
-          </a:prstGeom>
-        </p:spPr>
-      </p:pic>
-      <p:sp>
-        <p:nvSpPr>
-          <p:cNvPr id="8" name="矩形 7">
-            <a:extLst>
-              <a:ext uri="{FF2B5EF4-FFF2-40B4-BE49-F238E27FC236}">
-                <a16:creationId xmlns:a16="http://schemas.microsoft.com/office/drawing/2014/main" id="{301CC967-0B98-8648-BBCD-9666DF3A75D1}"/>
-              </a:ext>
-            </a:extLst>
-          </p:cNvPr>
-          <p:cNvSpPr/>
-          <p:nvPr/>
-        </p:nvSpPr>
-        <p:spPr>
-          <a:xfrm>
-            <a:off x="8010526" y="3538209"/>
-            <a:ext cx="4038040" cy="1077218"/>
-          </a:xfrm>
-          <a:prstGeom prst="rect">
-            <a:avLst/>
-          </a:prstGeom>
-          <a:solidFill>
-            <a:srgbClr val="FF0000"/>
-          </a:solidFill>
-          <a:effectLst>
-            <a:softEdge rad="31750"/>
-          </a:effectLst>
-        </p:spPr>
-        <p:txBody>
-          <a:bodyPr wrap="square">
-            <a:spAutoFit/>
-          </a:bodyPr>
-          <a:lstStyle/>
-          <a:p>
-            <a:r>
-              <a:rPr lang="en-US" altLang="zh-CN" sz="1600" b="1" dirty="0">
-                <a:solidFill>
-                  <a:schemeClr val="bg1"/>
-                </a:solidFill>
-                <a:latin typeface="Times New Roman" panose="02020603050405020304" pitchFamily="18" charset="0"/>
-                <a:cs typeface="Times New Roman" panose="02020603050405020304" pitchFamily="18" charset="0"/>
-              </a:rPr>
-              <a:t>1</a:t>
-            </a:r>
-            <a:r>
-              <a:rPr lang="zh-CN" altLang="en-US" sz="1600" b="1" dirty="0">
-                <a:solidFill>
-                  <a:schemeClr val="bg1"/>
-                </a:solidFill>
-                <a:latin typeface="Times New Roman" panose="02020603050405020304" pitchFamily="18" charset="0"/>
-                <a:cs typeface="Times New Roman" panose="02020603050405020304" pitchFamily="18" charset="0"/>
-              </a:rPr>
-              <a:t>、先取左中位数，以后根据分支的逻辑，决定是否要修改成右中位数；</a:t>
-            </a:r>
-            <a:endParaRPr lang="en-US" altLang="zh-CN" sz="1600" b="1" dirty="0">
-              <a:solidFill>
-                <a:schemeClr val="bg1"/>
-              </a:solidFill>
-              <a:latin typeface="Times New Roman" panose="02020603050405020304" pitchFamily="18" charset="0"/>
-              <a:cs typeface="Times New Roman" panose="02020603050405020304" pitchFamily="18" charset="0"/>
-            </a:endParaRPr>
-          </a:p>
-          <a:p>
-            <a:r>
-              <a:rPr lang="en-US" altLang="zh-CN" sz="1600" b="1" dirty="0">
-                <a:solidFill>
-                  <a:schemeClr val="bg1"/>
-                </a:solidFill>
-                <a:latin typeface="Times New Roman" panose="02020603050405020304" pitchFamily="18" charset="0"/>
-                <a:cs typeface="Times New Roman" panose="02020603050405020304" pitchFamily="18" charset="0"/>
-              </a:rPr>
-              <a:t>2</a:t>
-            </a:r>
-            <a:r>
-              <a:rPr lang="zh-CN" altLang="en-US" sz="1600" b="1" dirty="0">
-                <a:solidFill>
-                  <a:schemeClr val="bg1"/>
-                </a:solidFill>
-                <a:latin typeface="Times New Roman" panose="02020603050405020304" pitchFamily="18" charset="0"/>
-                <a:cs typeface="Times New Roman" panose="02020603050405020304" pitchFamily="18" charset="0"/>
-              </a:rPr>
-              <a:t>、注意：取中位数最好的写法是：</a:t>
-            </a:r>
-            <a:endParaRPr lang="en-US" altLang="zh-CN" sz="1600" b="1" dirty="0">
-              <a:solidFill>
-                <a:schemeClr val="bg1"/>
-              </a:solidFill>
-              <a:latin typeface="Times New Roman" panose="02020603050405020304" pitchFamily="18" charset="0"/>
-              <a:cs typeface="Times New Roman" panose="02020603050405020304" pitchFamily="18" charset="0"/>
-            </a:endParaRPr>
-          </a:p>
-          <a:p>
-            <a:r>
-              <a:rPr lang="zh-CN" altLang="en-US" sz="1600" b="1" dirty="0">
-                <a:solidFill>
-                  <a:schemeClr val="bg1"/>
-                </a:solidFill>
-                <a:latin typeface="Times New Roman" panose="02020603050405020304" pitchFamily="18" charset="0"/>
-                <a:cs typeface="Times New Roman" panose="02020603050405020304" pitchFamily="18" charset="0"/>
-              </a:rPr>
-              <a:t>左边界“</a:t>
-            </a:r>
-            <a:r>
-              <a:rPr lang="en-US" altLang="zh-CN" sz="1600" b="1" dirty="0">
-                <a:solidFill>
-                  <a:schemeClr val="bg1"/>
-                </a:solidFill>
-                <a:latin typeface="Times New Roman" panose="02020603050405020304" pitchFamily="18" charset="0"/>
-                <a:cs typeface="Times New Roman" panose="02020603050405020304" pitchFamily="18" charset="0"/>
-              </a:rPr>
-              <a:t>+</a:t>
-            </a:r>
-            <a:r>
-              <a:rPr lang="zh-CN" altLang="en-US" sz="1600" b="1" dirty="0">
-                <a:solidFill>
-                  <a:schemeClr val="bg1"/>
-                </a:solidFill>
-                <a:latin typeface="Times New Roman" panose="02020603050405020304" pitchFamily="18" charset="0"/>
-                <a:cs typeface="Times New Roman" panose="02020603050405020304" pitchFamily="18" charset="0"/>
-              </a:rPr>
-              <a:t>”右边界，再“无符号右移”。</a:t>
+              <a:t>“神奇的”二分查找法模板的编写流程</a:t>
             </a:r>
           </a:p>
         </p:txBody>
       </p:sp>
       <p:sp>
         <p:nvSpPr>
-          <p:cNvPr id="9" name="文本框 8">
-            <a:extLst>
-              <a:ext uri="{FF2B5EF4-FFF2-40B4-BE49-F238E27FC236}">
-                <a16:creationId xmlns:a16="http://schemas.microsoft.com/office/drawing/2014/main" id="{279B91E6-2983-6642-8711-8F91AA392E19}"/>
+          <p:cNvPr id="13" name="文本框 12">
+            <a:extLst>
+              <a:ext uri="{FF2B5EF4-FFF2-40B4-BE49-F238E27FC236}">
+                <a16:creationId xmlns:a16="http://schemas.microsoft.com/office/drawing/2014/main" id="{DF9848EB-A5D6-4E4C-8D3D-92FD5CBB7A06}"/>
               </a:ext>
             </a:extLst>
           </p:cNvPr>
@@ -2625,7 +2446,7 @@
         <p:spPr>
           <a:xfrm flipH="1">
             <a:off x="4365436" y="1653070"/>
-            <a:ext cx="3987206" cy="338554"/>
+            <a:ext cx="5301078" cy="338554"/>
           </a:xfrm>
           <a:prstGeom prst="rect">
             <a:avLst/>
@@ -2779,12 +2600,175 @@
           </a:p>
         </p:txBody>
       </p:sp>
+      <p:pic>
+        <p:nvPicPr>
+          <p:cNvPr id="5" name="图片 4">
+            <a:extLst>
+              <a:ext uri="{FF2B5EF4-FFF2-40B4-BE49-F238E27FC236}">
+                <a16:creationId xmlns:a16="http://schemas.microsoft.com/office/drawing/2014/main" id="{C2C5E6B8-AC4E-4946-A215-DFE97749580F}"/>
+              </a:ext>
+            </a:extLst>
+          </p:cNvPr>
+          <p:cNvPicPr>
+            <a:picLocks noChangeAspect="1"/>
+          </p:cNvPicPr>
+          <p:nvPr/>
+        </p:nvPicPr>
+        <p:blipFill>
+          <a:blip r:embed="rId2"/>
+          <a:stretch>
+            <a:fillRect/>
+          </a:stretch>
+        </p:blipFill>
+        <p:spPr>
+          <a:xfrm>
+            <a:off x="3620310" y="1428750"/>
+            <a:ext cx="4974372" cy="5346122"/>
+          </a:xfrm>
+          <a:prstGeom prst="rect">
+            <a:avLst/>
+          </a:prstGeom>
+        </p:spPr>
+      </p:pic>
+      <p:pic>
+        <p:nvPicPr>
+          <p:cNvPr id="7" name="图片 6">
+            <a:extLst>
+              <a:ext uri="{FF2B5EF4-FFF2-40B4-BE49-F238E27FC236}">
+                <a16:creationId xmlns:a16="http://schemas.microsoft.com/office/drawing/2014/main" id="{40872DC1-6167-BA4B-A761-F3FC69AD7E03}"/>
+              </a:ext>
+            </a:extLst>
+          </p:cNvPr>
+          <p:cNvPicPr>
+            <a:picLocks noChangeAspect="1"/>
+          </p:cNvPicPr>
+          <p:nvPr/>
+        </p:nvPicPr>
+        <p:blipFill rotWithShape="1">
+          <a:blip r:embed="rId2"/>
+          <a:srcRect l="75087" t="62438" r="9403" b="9946"/>
+          <a:stretch/>
+        </p:blipFill>
+        <p:spPr>
+          <a:xfrm>
+            <a:off x="5317782" y="4365304"/>
+            <a:ext cx="2528759" cy="1368231"/>
+          </a:xfrm>
+          <a:prstGeom prst="rect">
+            <a:avLst/>
+          </a:prstGeom>
+        </p:spPr>
+      </p:pic>
+      <p:pic>
+        <p:nvPicPr>
+          <p:cNvPr id="9" name="图片 8">
+            <a:extLst>
+              <a:ext uri="{FF2B5EF4-FFF2-40B4-BE49-F238E27FC236}">
+                <a16:creationId xmlns:a16="http://schemas.microsoft.com/office/drawing/2014/main" id="{788463EE-B490-3E40-AACA-D96E75C60466}"/>
+              </a:ext>
+            </a:extLst>
+          </p:cNvPr>
+          <p:cNvPicPr>
+            <a:picLocks noChangeAspect="1"/>
+          </p:cNvPicPr>
+          <p:nvPr/>
+        </p:nvPicPr>
+        <p:blipFill rotWithShape="1">
+          <a:blip r:embed="rId2"/>
+          <a:srcRect l="75087" t="62438" r="9403" b="9946"/>
+          <a:stretch/>
+        </p:blipFill>
+        <p:spPr>
+          <a:xfrm>
+            <a:off x="4684241" y="4640205"/>
+            <a:ext cx="3162300" cy="253071"/>
+          </a:xfrm>
+          <a:prstGeom prst="rect">
+            <a:avLst/>
+          </a:prstGeom>
+        </p:spPr>
+      </p:pic>
+      <p:pic>
+        <p:nvPicPr>
+          <p:cNvPr id="10" name="图片 9">
+            <a:extLst>
+              <a:ext uri="{FF2B5EF4-FFF2-40B4-BE49-F238E27FC236}">
+                <a16:creationId xmlns:a16="http://schemas.microsoft.com/office/drawing/2014/main" id="{5AF19834-C8B1-D94C-9FC3-D0C2C3A6F79C}"/>
+              </a:ext>
+            </a:extLst>
+          </p:cNvPr>
+          <p:cNvPicPr>
+            <a:picLocks noChangeAspect="1"/>
+          </p:cNvPicPr>
+          <p:nvPr/>
+        </p:nvPicPr>
+        <p:blipFill rotWithShape="1">
+          <a:blip r:embed="rId2"/>
+          <a:srcRect l="75087" t="62438" r="9403" b="9946"/>
+          <a:stretch/>
+        </p:blipFill>
+        <p:spPr>
+          <a:xfrm>
+            <a:off x="4836641" y="5275053"/>
+            <a:ext cx="3162300" cy="733383"/>
+          </a:xfrm>
+          <a:prstGeom prst="rect">
+            <a:avLst/>
+          </a:prstGeom>
+        </p:spPr>
+      </p:pic>
       <p:sp>
         <p:nvSpPr>
-          <p:cNvPr id="3" name="文本框 2">
-            <a:extLst>
-              <a:ext uri="{FF2B5EF4-FFF2-40B4-BE49-F238E27FC236}">
-                <a16:creationId xmlns:a16="http://schemas.microsoft.com/office/drawing/2014/main" id="{C10CD1F6-5281-1144-8275-00A99AEB534B}"/>
+          <p:cNvPr id="8" name="矩形 7">
+            <a:extLst>
+              <a:ext uri="{FF2B5EF4-FFF2-40B4-BE49-F238E27FC236}">
+                <a16:creationId xmlns:a16="http://schemas.microsoft.com/office/drawing/2014/main" id="{301CC967-0B98-8648-BBCD-9666DF3A75D1}"/>
+              </a:ext>
+            </a:extLst>
+          </p:cNvPr>
+          <p:cNvSpPr/>
+          <p:nvPr/>
+        </p:nvSpPr>
+        <p:spPr>
+          <a:xfrm>
+            <a:off x="7452241" y="3942456"/>
+            <a:ext cx="3991205" cy="584775"/>
+          </a:xfrm>
+          <a:prstGeom prst="rect">
+            <a:avLst/>
+          </a:prstGeom>
+          <a:solidFill>
+            <a:srgbClr val="FF0000"/>
+          </a:solidFill>
+          <a:effectLst>
+            <a:softEdge rad="31750"/>
+          </a:effectLst>
+        </p:spPr>
+        <p:txBody>
+          <a:bodyPr wrap="square">
+            <a:spAutoFit/>
+          </a:bodyPr>
+          <a:lstStyle/>
+          <a:p>
+            <a:r>
+              <a:rPr lang="zh-CN" altLang="en-US" sz="1600" b="1" dirty="0">
+                <a:solidFill>
+                  <a:schemeClr val="bg1"/>
+                </a:solidFill>
+                <a:latin typeface="Times New Roman" panose="02020603050405020304" pitchFamily="18" charset="0"/>
+                <a:cs typeface="Times New Roman" panose="02020603050405020304" pitchFamily="18" charset="0"/>
+              </a:rPr>
+              <a:t>先写容易想的分支逻辑，通常这个逻辑是排除中位数的，但并不绝对。</a:t>
+            </a:r>
+          </a:p>
+        </p:txBody>
+      </p:sp>
+      <p:sp>
+        <p:nvSpPr>
+          <p:cNvPr id="13" name="文本框 12">
+            <a:extLst>
+              <a:ext uri="{FF2B5EF4-FFF2-40B4-BE49-F238E27FC236}">
+                <a16:creationId xmlns:a16="http://schemas.microsoft.com/office/drawing/2014/main" id="{D9030B40-A8E3-E64D-80A0-BCE795CB0DD2}"/>
               </a:ext>
             </a:extLst>
           </p:cNvPr>
@@ -2794,7 +2778,7 @@
         <p:spPr>
           <a:xfrm flipH="1">
             <a:off x="280043" y="877535"/>
-            <a:ext cx="7023434" cy="461665"/>
+            <a:ext cx="5759822" cy="461665"/>
           </a:xfrm>
           <a:prstGeom prst="rect">
             <a:avLst/>
@@ -2824,17 +2808,6 @@
               <a:buChar char="Ø"/>
             </a:pPr>
             <a:r>
-              <a:rPr kumimoji="1" lang="en-US" altLang="zh-CN" sz="2400" b="1" dirty="0">
-                <a:solidFill>
-                  <a:schemeClr val="bg1"/>
-                </a:solidFill>
-                <a:latin typeface="Times New Roman" panose="02020603050405020304" pitchFamily="18" charset="0"/>
-                <a:ea typeface="KaiTi_GB2312" panose="02010609030101010101" pitchFamily="49" charset="-122"/>
-                <a:cs typeface="Times New Roman" panose="02020603050405020304" pitchFamily="18" charset="0"/>
-              </a:rPr>
-              <a:t>4</a:t>
-            </a:r>
-            <a:r>
               <a:rPr kumimoji="1" lang="zh-CN" altLang="en-US" sz="2400" b="1" dirty="0">
                 <a:solidFill>
                   <a:schemeClr val="bg1"/>
@@ -2843,202 +2816,17 @@
                 <a:ea typeface="KaiTi_GB2312" panose="02010609030101010101" pitchFamily="49" charset="-122"/>
                 <a:cs typeface="Times New Roman" panose="02020603050405020304" pitchFamily="18" charset="0"/>
               </a:rPr>
-              <a:t>、</a:t>
-            </a:r>
-            <a:r>
-              <a:rPr kumimoji="1" lang="en-US" altLang="zh-CN" sz="2400" b="1" dirty="0">
-                <a:solidFill>
-                  <a:schemeClr val="bg1"/>
-                </a:solidFill>
-                <a:latin typeface="Times New Roman" panose="02020603050405020304" pitchFamily="18" charset="0"/>
-                <a:ea typeface="KaiTi_GB2312" panose="02010609030101010101" pitchFamily="49" charset="-122"/>
-                <a:cs typeface="Times New Roman" panose="02020603050405020304" pitchFamily="18" charset="0"/>
-              </a:rPr>
-              <a:t> </a:t>
-            </a:r>
-            <a:r>
-              <a:rPr kumimoji="1" lang="zh-CN" altLang="en-US" sz="2400" b="1" dirty="0">
-                <a:solidFill>
-                  <a:schemeClr val="bg1"/>
-                </a:solidFill>
-                <a:latin typeface="Times New Roman" panose="02020603050405020304" pitchFamily="18" charset="0"/>
-                <a:ea typeface="KaiTi_GB2312" panose="02010609030101010101" pitchFamily="49" charset="-122"/>
-                <a:cs typeface="Times New Roman" panose="02020603050405020304" pitchFamily="18" charset="0"/>
-              </a:rPr>
-              <a:t>总结“神奇的”二分查找法模板的编写流程</a:t>
-            </a:r>
-          </a:p>
-        </p:txBody>
-      </p:sp>
-      <p:pic>
-        <p:nvPicPr>
-          <p:cNvPr id="5" name="图片 4">
-            <a:extLst>
-              <a:ext uri="{FF2B5EF4-FFF2-40B4-BE49-F238E27FC236}">
-                <a16:creationId xmlns:a16="http://schemas.microsoft.com/office/drawing/2014/main" id="{C2C5E6B8-AC4E-4946-A215-DFE97749580F}"/>
-              </a:ext>
-            </a:extLst>
-          </p:cNvPr>
-          <p:cNvPicPr>
-            <a:picLocks noChangeAspect="1"/>
-          </p:cNvPicPr>
-          <p:nvPr/>
-        </p:nvPicPr>
-        <p:blipFill>
-          <a:blip r:embed="rId2"/>
-          <a:stretch>
-            <a:fillRect/>
-          </a:stretch>
-        </p:blipFill>
-        <p:spPr>
-          <a:xfrm>
-            <a:off x="3620310" y="1428750"/>
-            <a:ext cx="4974372" cy="5346122"/>
-          </a:xfrm>
-          <a:prstGeom prst="rect">
-            <a:avLst/>
-          </a:prstGeom>
-        </p:spPr>
-      </p:pic>
-      <p:pic>
-        <p:nvPicPr>
-          <p:cNvPr id="7" name="图片 6">
-            <a:extLst>
-              <a:ext uri="{FF2B5EF4-FFF2-40B4-BE49-F238E27FC236}">
-                <a16:creationId xmlns:a16="http://schemas.microsoft.com/office/drawing/2014/main" id="{40872DC1-6167-BA4B-A761-F3FC69AD7E03}"/>
-              </a:ext>
-            </a:extLst>
-          </p:cNvPr>
-          <p:cNvPicPr>
-            <a:picLocks noChangeAspect="1"/>
-          </p:cNvPicPr>
-          <p:nvPr/>
-        </p:nvPicPr>
-        <p:blipFill rotWithShape="1">
-          <a:blip r:embed="rId2"/>
-          <a:srcRect l="75087" t="62438" r="9403" b="9946"/>
-          <a:stretch/>
-        </p:blipFill>
-        <p:spPr>
-          <a:xfrm>
-            <a:off x="5317782" y="4365304"/>
-            <a:ext cx="2528759" cy="1368231"/>
-          </a:xfrm>
-          <a:prstGeom prst="rect">
-            <a:avLst/>
-          </a:prstGeom>
-        </p:spPr>
-      </p:pic>
-      <p:pic>
-        <p:nvPicPr>
-          <p:cNvPr id="9" name="图片 8">
-            <a:extLst>
-              <a:ext uri="{FF2B5EF4-FFF2-40B4-BE49-F238E27FC236}">
-                <a16:creationId xmlns:a16="http://schemas.microsoft.com/office/drawing/2014/main" id="{788463EE-B490-3E40-AACA-D96E75C60466}"/>
-              </a:ext>
-            </a:extLst>
-          </p:cNvPr>
-          <p:cNvPicPr>
-            <a:picLocks noChangeAspect="1"/>
-          </p:cNvPicPr>
-          <p:nvPr/>
-        </p:nvPicPr>
-        <p:blipFill rotWithShape="1">
-          <a:blip r:embed="rId2"/>
-          <a:srcRect l="75087" t="62438" r="9403" b="9946"/>
-          <a:stretch/>
-        </p:blipFill>
-        <p:spPr>
-          <a:xfrm>
-            <a:off x="4684241" y="4640205"/>
-            <a:ext cx="3162300" cy="253071"/>
-          </a:xfrm>
-          <a:prstGeom prst="rect">
-            <a:avLst/>
-          </a:prstGeom>
-        </p:spPr>
-      </p:pic>
-      <p:pic>
-        <p:nvPicPr>
-          <p:cNvPr id="10" name="图片 9">
-            <a:extLst>
-              <a:ext uri="{FF2B5EF4-FFF2-40B4-BE49-F238E27FC236}">
-                <a16:creationId xmlns:a16="http://schemas.microsoft.com/office/drawing/2014/main" id="{5AF19834-C8B1-D94C-9FC3-D0C2C3A6F79C}"/>
-              </a:ext>
-            </a:extLst>
-          </p:cNvPr>
-          <p:cNvPicPr>
-            <a:picLocks noChangeAspect="1"/>
-          </p:cNvPicPr>
-          <p:nvPr/>
-        </p:nvPicPr>
-        <p:blipFill rotWithShape="1">
-          <a:blip r:embed="rId2"/>
-          <a:srcRect l="75087" t="62438" r="9403" b="9946"/>
-          <a:stretch/>
-        </p:blipFill>
-        <p:spPr>
-          <a:xfrm>
-            <a:off x="4836641" y="5275053"/>
-            <a:ext cx="3162300" cy="733383"/>
-          </a:xfrm>
-          <a:prstGeom prst="rect">
-            <a:avLst/>
-          </a:prstGeom>
-        </p:spPr>
-      </p:pic>
-      <p:sp>
-        <p:nvSpPr>
-          <p:cNvPr id="8" name="矩形 7">
-            <a:extLst>
-              <a:ext uri="{FF2B5EF4-FFF2-40B4-BE49-F238E27FC236}">
-                <a16:creationId xmlns:a16="http://schemas.microsoft.com/office/drawing/2014/main" id="{301CC967-0B98-8648-BBCD-9666DF3A75D1}"/>
-              </a:ext>
-            </a:extLst>
-          </p:cNvPr>
-          <p:cNvSpPr/>
-          <p:nvPr/>
-        </p:nvSpPr>
-        <p:spPr>
-          <a:xfrm>
-            <a:off x="7452241" y="3942456"/>
-            <a:ext cx="3991205" cy="584775"/>
-          </a:xfrm>
-          <a:prstGeom prst="rect">
-            <a:avLst/>
-          </a:prstGeom>
-          <a:solidFill>
-            <a:srgbClr val="FF0000"/>
-          </a:solidFill>
-          <a:effectLst>
-            <a:softEdge rad="31750"/>
-          </a:effectLst>
-        </p:spPr>
-        <p:txBody>
-          <a:bodyPr wrap="square">
-            <a:spAutoFit/>
-          </a:bodyPr>
-          <a:lstStyle/>
-          <a:p>
-            <a:r>
-              <a:rPr lang="zh-CN" altLang="en-US" sz="1600" b="1" dirty="0">
-                <a:solidFill>
-                  <a:schemeClr val="bg1"/>
-                </a:solidFill>
-                <a:latin typeface="Times New Roman" panose="02020603050405020304" pitchFamily="18" charset="0"/>
-                <a:cs typeface="Times New Roman" panose="02020603050405020304" pitchFamily="18" charset="0"/>
-              </a:rPr>
-              <a:t>先写容易想的分支逻辑，通常这个逻辑是排除中位数的，但并不绝对。</a:t>
+              <a:t>“神奇的”二分查找法模板的编写流程</a:t>
             </a:r>
           </a:p>
         </p:txBody>
       </p:sp>
       <p:sp>
         <p:nvSpPr>
-          <p:cNvPr id="11" name="文本框 10">
-            <a:extLst>
-              <a:ext uri="{FF2B5EF4-FFF2-40B4-BE49-F238E27FC236}">
-                <a16:creationId xmlns:a16="http://schemas.microsoft.com/office/drawing/2014/main" id="{0E643C70-57E5-E54C-A88F-F0E0F3AF206D}"/>
+          <p:cNvPr id="14" name="文本框 13">
+            <a:extLst>
+              <a:ext uri="{FF2B5EF4-FFF2-40B4-BE49-F238E27FC236}">
+                <a16:creationId xmlns:a16="http://schemas.microsoft.com/office/drawing/2014/main" id="{E3C8212F-1C0D-6E40-AC59-7F3FBBF0CFB2}"/>
               </a:ext>
             </a:extLst>
           </p:cNvPr>
@@ -3048,7 +2836,7 @@
         <p:spPr>
           <a:xfrm flipH="1">
             <a:off x="4365436" y="1653070"/>
-            <a:ext cx="3987206" cy="338554"/>
+            <a:ext cx="5301078" cy="338554"/>
           </a:xfrm>
           <a:prstGeom prst="rect">
             <a:avLst/>
@@ -3202,12 +2990,136 @@
           </a:p>
         </p:txBody>
       </p:sp>
+      <p:pic>
+        <p:nvPicPr>
+          <p:cNvPr id="5" name="图片 4">
+            <a:extLst>
+              <a:ext uri="{FF2B5EF4-FFF2-40B4-BE49-F238E27FC236}">
+                <a16:creationId xmlns:a16="http://schemas.microsoft.com/office/drawing/2014/main" id="{C2C5E6B8-AC4E-4946-A215-DFE97749580F}"/>
+              </a:ext>
+            </a:extLst>
+          </p:cNvPr>
+          <p:cNvPicPr>
+            <a:picLocks noChangeAspect="1"/>
+          </p:cNvPicPr>
+          <p:nvPr/>
+        </p:nvPicPr>
+        <p:blipFill>
+          <a:blip r:embed="rId2"/>
+          <a:stretch>
+            <a:fillRect/>
+          </a:stretch>
+        </p:blipFill>
+        <p:spPr>
+          <a:xfrm>
+            <a:off x="3620310" y="1428750"/>
+            <a:ext cx="4974372" cy="5346122"/>
+          </a:xfrm>
+          <a:prstGeom prst="rect">
+            <a:avLst/>
+          </a:prstGeom>
+        </p:spPr>
+      </p:pic>
+      <p:pic>
+        <p:nvPicPr>
+          <p:cNvPr id="10" name="图片 9">
+            <a:extLst>
+              <a:ext uri="{FF2B5EF4-FFF2-40B4-BE49-F238E27FC236}">
+                <a16:creationId xmlns:a16="http://schemas.microsoft.com/office/drawing/2014/main" id="{5AF19834-C8B1-D94C-9FC3-D0C2C3A6F79C}"/>
+              </a:ext>
+            </a:extLst>
+          </p:cNvPr>
+          <p:cNvPicPr>
+            <a:picLocks noChangeAspect="1"/>
+          </p:cNvPicPr>
+          <p:nvPr/>
+        </p:nvPicPr>
+        <p:blipFill rotWithShape="1">
+          <a:blip r:embed="rId2"/>
+          <a:srcRect l="75087" t="62438" r="9403" b="9946"/>
+          <a:stretch/>
+        </p:blipFill>
+        <p:spPr>
+          <a:xfrm>
+            <a:off x="4836641" y="5275053"/>
+            <a:ext cx="3162300" cy="733383"/>
+          </a:xfrm>
+          <a:prstGeom prst="rect">
+            <a:avLst/>
+          </a:prstGeom>
+        </p:spPr>
+      </p:pic>
       <p:sp>
         <p:nvSpPr>
-          <p:cNvPr id="3" name="文本框 2">
-            <a:extLst>
-              <a:ext uri="{FF2B5EF4-FFF2-40B4-BE49-F238E27FC236}">
-                <a16:creationId xmlns:a16="http://schemas.microsoft.com/office/drawing/2014/main" id="{C10CD1F6-5281-1144-8275-00A99AEB534B}"/>
+          <p:cNvPr id="8" name="矩形 7">
+            <a:extLst>
+              <a:ext uri="{FF2B5EF4-FFF2-40B4-BE49-F238E27FC236}">
+                <a16:creationId xmlns:a16="http://schemas.microsoft.com/office/drawing/2014/main" id="{301CC967-0B98-8648-BBCD-9666DF3A75D1}"/>
+              </a:ext>
+            </a:extLst>
+          </p:cNvPr>
+          <p:cNvSpPr/>
+          <p:nvPr/>
+        </p:nvSpPr>
+        <p:spPr>
+          <a:xfrm>
+            <a:off x="6570551" y="4339669"/>
+            <a:ext cx="5397331" cy="830997"/>
+          </a:xfrm>
+          <a:prstGeom prst="rect">
+            <a:avLst/>
+          </a:prstGeom>
+          <a:solidFill>
+            <a:srgbClr val="FF0000"/>
+          </a:solidFill>
+          <a:effectLst>
+            <a:softEdge rad="31750"/>
+          </a:effectLst>
+        </p:spPr>
+        <p:txBody>
+          <a:bodyPr wrap="square">
+            <a:spAutoFit/>
+          </a:bodyPr>
+          <a:lstStyle/>
+          <a:p>
+            <a:r>
+              <a:rPr lang="zh-CN" altLang="en-US" sz="1600" b="1" dirty="0">
+                <a:solidFill>
+                  <a:schemeClr val="bg1"/>
+                </a:solidFill>
+                <a:latin typeface="Times New Roman" panose="02020603050405020304" pitchFamily="18" charset="0"/>
+                <a:cs typeface="Times New Roman" panose="02020603050405020304" pitchFamily="18" charset="0"/>
+              </a:rPr>
+              <a:t>在上一步分支编写正确的前提下，另一个分支的代码几乎是固定的，而不必过多思考逻辑上的正确性。</a:t>
+            </a:r>
+            <a:endParaRPr lang="en-US" altLang="zh-CN" sz="1600" b="1" dirty="0">
+              <a:solidFill>
+                <a:schemeClr val="bg1"/>
+              </a:solidFill>
+              <a:latin typeface="Times New Roman" panose="02020603050405020304" pitchFamily="18" charset="0"/>
+              <a:cs typeface="Times New Roman" panose="02020603050405020304" pitchFamily="18" charset="0"/>
+            </a:endParaRPr>
+          </a:p>
+          <a:p>
+            <a:r>
+              <a:rPr lang="zh-CN" altLang="en-US" sz="1600" b="1" dirty="0">
+                <a:solidFill>
+                  <a:schemeClr val="bg1"/>
+                </a:solidFill>
+                <a:latin typeface="Times New Roman" panose="02020603050405020304" pitchFamily="18" charset="0"/>
+                <a:cs typeface="Times New Roman" panose="02020603050405020304" pitchFamily="18" charset="0"/>
+              </a:rPr>
+              <a:t>注意：在循环中无需对中位数是否是目标元素单独作判断。</a:t>
+            </a:r>
+          </a:p>
+        </p:txBody>
+      </p:sp>
+      <p:sp>
+        <p:nvSpPr>
+          <p:cNvPr id="12" name="文本框 11">
+            <a:extLst>
+              <a:ext uri="{FF2B5EF4-FFF2-40B4-BE49-F238E27FC236}">
+                <a16:creationId xmlns:a16="http://schemas.microsoft.com/office/drawing/2014/main" id="{357A59DA-9920-8249-B3B0-2A9431C23998}"/>
               </a:ext>
             </a:extLst>
           </p:cNvPr>
@@ -3217,7 +3129,7 @@
         <p:spPr>
           <a:xfrm flipH="1">
             <a:off x="280043" y="877535"/>
-            <a:ext cx="7023434" cy="461665"/>
+            <a:ext cx="5759822" cy="461665"/>
           </a:xfrm>
           <a:prstGeom prst="rect">
             <a:avLst/>
@@ -3247,17 +3159,6 @@
               <a:buChar char="Ø"/>
             </a:pPr>
             <a:r>
-              <a:rPr kumimoji="1" lang="en-US" altLang="zh-CN" sz="2400" b="1" dirty="0">
-                <a:solidFill>
-                  <a:schemeClr val="bg1"/>
-                </a:solidFill>
-                <a:latin typeface="Times New Roman" panose="02020603050405020304" pitchFamily="18" charset="0"/>
-                <a:ea typeface="KaiTi_GB2312" panose="02010609030101010101" pitchFamily="49" charset="-122"/>
-                <a:cs typeface="Times New Roman" panose="02020603050405020304" pitchFamily="18" charset="0"/>
-              </a:rPr>
-              <a:t>4</a:t>
-            </a:r>
-            <a:r>
               <a:rPr kumimoji="1" lang="zh-CN" altLang="en-US" sz="2400" b="1" dirty="0">
                 <a:solidFill>
                   <a:schemeClr val="bg1"/>
@@ -3266,239 +3167,17 @@
                 <a:ea typeface="KaiTi_GB2312" panose="02010609030101010101" pitchFamily="49" charset="-122"/>
                 <a:cs typeface="Times New Roman" panose="02020603050405020304" pitchFamily="18" charset="0"/>
               </a:rPr>
-              <a:t>、</a:t>
-            </a:r>
-            <a:r>
-              <a:rPr kumimoji="1" lang="en-US" altLang="zh-CN" sz="2400" b="1" dirty="0">
-                <a:solidFill>
-                  <a:schemeClr val="bg1"/>
-                </a:solidFill>
-                <a:latin typeface="Times New Roman" panose="02020603050405020304" pitchFamily="18" charset="0"/>
-                <a:ea typeface="KaiTi_GB2312" panose="02010609030101010101" pitchFamily="49" charset="-122"/>
-                <a:cs typeface="Times New Roman" panose="02020603050405020304" pitchFamily="18" charset="0"/>
-              </a:rPr>
-              <a:t> </a:t>
-            </a:r>
-            <a:r>
-              <a:rPr kumimoji="1" lang="zh-CN" altLang="en-US" sz="2400" b="1" dirty="0">
-                <a:solidFill>
-                  <a:schemeClr val="bg1"/>
-                </a:solidFill>
-                <a:latin typeface="Times New Roman" panose="02020603050405020304" pitchFamily="18" charset="0"/>
-                <a:ea typeface="KaiTi_GB2312" panose="02010609030101010101" pitchFamily="49" charset="-122"/>
-                <a:cs typeface="Times New Roman" panose="02020603050405020304" pitchFamily="18" charset="0"/>
-              </a:rPr>
-              <a:t>总结“神奇的”二分查找法模板的编写流程</a:t>
-            </a:r>
-          </a:p>
-        </p:txBody>
-      </p:sp>
-      <p:pic>
-        <p:nvPicPr>
-          <p:cNvPr id="5" name="图片 4">
-            <a:extLst>
-              <a:ext uri="{FF2B5EF4-FFF2-40B4-BE49-F238E27FC236}">
-                <a16:creationId xmlns:a16="http://schemas.microsoft.com/office/drawing/2014/main" id="{C2C5E6B8-AC4E-4946-A215-DFE97749580F}"/>
-              </a:ext>
-            </a:extLst>
-          </p:cNvPr>
-          <p:cNvPicPr>
-            <a:picLocks noChangeAspect="1"/>
-          </p:cNvPicPr>
-          <p:nvPr/>
-        </p:nvPicPr>
-        <p:blipFill>
-          <a:blip r:embed="rId2"/>
-          <a:stretch>
-            <a:fillRect/>
-          </a:stretch>
-        </p:blipFill>
-        <p:spPr>
-          <a:xfrm>
-            <a:off x="3620310" y="1428750"/>
-            <a:ext cx="4974372" cy="5346122"/>
-          </a:xfrm>
-          <a:prstGeom prst="rect">
-            <a:avLst/>
-          </a:prstGeom>
-        </p:spPr>
-      </p:pic>
-      <p:sp>
-        <p:nvSpPr>
-          <p:cNvPr id="6" name="文本框 5">
-            <a:extLst>
-              <a:ext uri="{FF2B5EF4-FFF2-40B4-BE49-F238E27FC236}">
-                <a16:creationId xmlns:a16="http://schemas.microsoft.com/office/drawing/2014/main" id="{8BACF77B-95B5-C241-A943-2A56B393198B}"/>
-              </a:ext>
-            </a:extLst>
-          </p:cNvPr>
-          <p:cNvSpPr txBox="1"/>
-          <p:nvPr/>
-        </p:nvSpPr>
-        <p:spPr>
-          <a:xfrm flipH="1">
-            <a:off x="7236802" y="908312"/>
-            <a:ext cx="5176318" cy="400110"/>
-          </a:xfrm>
-          <a:prstGeom prst="rect">
-            <a:avLst/>
-          </a:prstGeom>
-          <a:noFill/>
-        </p:spPr>
-        <p:txBody>
-          <a:bodyPr wrap="square" rtlCol="0">
-            <a:spAutoFit/>
-          </a:bodyPr>
-          <a:lstStyle/>
-          <a:p>
-            <a:r>
-              <a:rPr kumimoji="1" lang="zh-CN" altLang="en-US" sz="2000" dirty="0">
-                <a:latin typeface="Times New Roman" panose="02020603050405020304" pitchFamily="18" charset="0"/>
-                <a:ea typeface="KaiTi_GB2312" panose="02010609030101010101" pitchFamily="49" charset="-122"/>
-                <a:cs typeface="Times New Roman" panose="02020603050405020304" pitchFamily="18" charset="0"/>
-              </a:rPr>
-              <a:t>以 </a:t>
-            </a:r>
-            <a:r>
-              <a:rPr kumimoji="1" lang="en-US" altLang="zh-CN" sz="2000" dirty="0" err="1">
-                <a:latin typeface="Times New Roman" panose="02020603050405020304" pitchFamily="18" charset="0"/>
-                <a:ea typeface="KaiTi_GB2312" panose="02010609030101010101" pitchFamily="49" charset="-122"/>
-                <a:cs typeface="Times New Roman" panose="02020603050405020304" pitchFamily="18" charset="0"/>
-              </a:rPr>
-              <a:t>LeetCode</a:t>
-            </a:r>
-            <a:r>
-              <a:rPr kumimoji="1" lang="zh-CN" altLang="en-US" sz="2000" dirty="0">
-                <a:latin typeface="Times New Roman" panose="02020603050405020304" pitchFamily="18" charset="0"/>
-                <a:ea typeface="KaiTi_GB2312" panose="02010609030101010101" pitchFamily="49" charset="-122"/>
-                <a:cs typeface="Times New Roman" panose="02020603050405020304" pitchFamily="18" charset="0"/>
-              </a:rPr>
-              <a:t> 第 </a:t>
-            </a:r>
-            <a:r>
-              <a:rPr kumimoji="1" lang="en-US" altLang="zh-CN" sz="2000" dirty="0">
-                <a:latin typeface="Times New Roman" panose="02020603050405020304" pitchFamily="18" charset="0"/>
-                <a:ea typeface="KaiTi_GB2312" panose="02010609030101010101" pitchFamily="49" charset="-122"/>
-                <a:cs typeface="Times New Roman" panose="02020603050405020304" pitchFamily="18" charset="0"/>
-              </a:rPr>
-              <a:t>704</a:t>
-            </a:r>
-            <a:r>
-              <a:rPr kumimoji="1" lang="zh-CN" altLang="en-US" sz="2000" dirty="0">
-                <a:latin typeface="Times New Roman" panose="02020603050405020304" pitchFamily="18" charset="0"/>
-                <a:ea typeface="KaiTi_GB2312" panose="02010609030101010101" pitchFamily="49" charset="-122"/>
-                <a:cs typeface="Times New Roman" panose="02020603050405020304" pitchFamily="18" charset="0"/>
-              </a:rPr>
-              <a:t> 题：“二分查找” 为例。</a:t>
-            </a:r>
-            <a:endParaRPr kumimoji="1" lang="en-US" altLang="zh-CN" sz="2000" dirty="0">
-              <a:latin typeface="Times New Roman" panose="02020603050405020304" pitchFamily="18" charset="0"/>
-              <a:ea typeface="KaiTi_GB2312" panose="02010609030101010101" pitchFamily="49" charset="-122"/>
-              <a:cs typeface="Times New Roman" panose="02020603050405020304" pitchFamily="18" charset="0"/>
-            </a:endParaRPr>
-          </a:p>
-        </p:txBody>
-      </p:sp>
-      <p:pic>
-        <p:nvPicPr>
-          <p:cNvPr id="10" name="图片 9">
-            <a:extLst>
-              <a:ext uri="{FF2B5EF4-FFF2-40B4-BE49-F238E27FC236}">
-                <a16:creationId xmlns:a16="http://schemas.microsoft.com/office/drawing/2014/main" id="{5AF19834-C8B1-D94C-9FC3-D0C2C3A6F79C}"/>
-              </a:ext>
-            </a:extLst>
-          </p:cNvPr>
-          <p:cNvPicPr>
-            <a:picLocks noChangeAspect="1"/>
-          </p:cNvPicPr>
-          <p:nvPr/>
-        </p:nvPicPr>
-        <p:blipFill rotWithShape="1">
-          <a:blip r:embed="rId2"/>
-          <a:srcRect l="75087" t="62438" r="9403" b="9946"/>
-          <a:stretch/>
-        </p:blipFill>
-        <p:spPr>
-          <a:xfrm>
-            <a:off x="4836641" y="5275053"/>
-            <a:ext cx="3162300" cy="733383"/>
-          </a:xfrm>
-          <a:prstGeom prst="rect">
-            <a:avLst/>
-          </a:prstGeom>
-        </p:spPr>
-      </p:pic>
-      <p:sp>
-        <p:nvSpPr>
-          <p:cNvPr id="8" name="矩形 7">
-            <a:extLst>
-              <a:ext uri="{FF2B5EF4-FFF2-40B4-BE49-F238E27FC236}">
-                <a16:creationId xmlns:a16="http://schemas.microsoft.com/office/drawing/2014/main" id="{301CC967-0B98-8648-BBCD-9666DF3A75D1}"/>
-              </a:ext>
-            </a:extLst>
-          </p:cNvPr>
-          <p:cNvSpPr/>
-          <p:nvPr/>
-        </p:nvSpPr>
-        <p:spPr>
-          <a:xfrm>
-            <a:off x="6570551" y="4339669"/>
-            <a:ext cx="5397331" cy="830997"/>
-          </a:xfrm>
-          <a:prstGeom prst="rect">
-            <a:avLst/>
-          </a:prstGeom>
-          <a:solidFill>
-            <a:srgbClr val="FF0000"/>
-          </a:solidFill>
-          <a:effectLst>
-            <a:softEdge rad="31750"/>
-          </a:effectLst>
-        </p:spPr>
-        <p:txBody>
-          <a:bodyPr wrap="square">
-            <a:spAutoFit/>
-          </a:bodyPr>
-          <a:lstStyle/>
-          <a:p>
-            <a:r>
-              <a:rPr lang="zh-CN" altLang="en-US" sz="1600" b="1" dirty="0">
-                <a:solidFill>
-                  <a:schemeClr val="bg1"/>
-                </a:solidFill>
-                <a:latin typeface="Times New Roman" panose="02020603050405020304" pitchFamily="18" charset="0"/>
-                <a:cs typeface="Times New Roman" panose="02020603050405020304" pitchFamily="18" charset="0"/>
-              </a:rPr>
-              <a:t>在上一步分支编写正确的前提下，另一个分支的代码几乎是固定的，而不必过多思考逻辑上的正确性。</a:t>
-            </a:r>
-            <a:endParaRPr lang="en-US" altLang="zh-CN" sz="1600" b="1" dirty="0">
-              <a:solidFill>
-                <a:schemeClr val="bg1"/>
-              </a:solidFill>
-              <a:latin typeface="Times New Roman" panose="02020603050405020304" pitchFamily="18" charset="0"/>
-              <a:cs typeface="Times New Roman" panose="02020603050405020304" pitchFamily="18" charset="0"/>
-            </a:endParaRPr>
-          </a:p>
-          <a:p>
-            <a:r>
-              <a:rPr lang="zh-CN" altLang="en-US" sz="1600" b="1" dirty="0">
-                <a:solidFill>
-                  <a:schemeClr val="bg1"/>
-                </a:solidFill>
-                <a:latin typeface="Times New Roman" panose="02020603050405020304" pitchFamily="18" charset="0"/>
-                <a:cs typeface="Times New Roman" panose="02020603050405020304" pitchFamily="18" charset="0"/>
-              </a:rPr>
-              <a:t>注意：在循环中无需单独对中位数做判断。</a:t>
+              <a:t>“神奇的”二分查找法模板的编写流程</a:t>
             </a:r>
           </a:p>
         </p:txBody>
       </p:sp>
       <p:sp>
         <p:nvSpPr>
-          <p:cNvPr id="9" name="文本框 8">
-            <a:extLst>
-              <a:ext uri="{FF2B5EF4-FFF2-40B4-BE49-F238E27FC236}">
-                <a16:creationId xmlns:a16="http://schemas.microsoft.com/office/drawing/2014/main" id="{7151FB53-58AC-3147-B3B8-6C61C9E69B37}"/>
+          <p:cNvPr id="13" name="文本框 12">
+            <a:extLst>
+              <a:ext uri="{FF2B5EF4-FFF2-40B4-BE49-F238E27FC236}">
+                <a16:creationId xmlns:a16="http://schemas.microsoft.com/office/drawing/2014/main" id="{89701F54-F1F4-334F-A365-E476619E6885}"/>
               </a:ext>
             </a:extLst>
           </p:cNvPr>
@@ -3508,7 +3187,7 @@
         <p:spPr>
           <a:xfrm flipH="1">
             <a:off x="4365436" y="1653070"/>
-            <a:ext cx="3987206" cy="338554"/>
+            <a:ext cx="5301078" cy="338554"/>
           </a:xfrm>
           <a:prstGeom prst="rect">
             <a:avLst/>
@@ -3662,12 +3341,166 @@
           </a:p>
         </p:txBody>
       </p:sp>
+      <p:pic>
+        <p:nvPicPr>
+          <p:cNvPr id="5" name="图片 4">
+            <a:extLst>
+              <a:ext uri="{FF2B5EF4-FFF2-40B4-BE49-F238E27FC236}">
+                <a16:creationId xmlns:a16="http://schemas.microsoft.com/office/drawing/2014/main" id="{C2C5E6B8-AC4E-4946-A215-DFE97749580F}"/>
+              </a:ext>
+            </a:extLst>
+          </p:cNvPr>
+          <p:cNvPicPr>
+            <a:picLocks noChangeAspect="1"/>
+          </p:cNvPicPr>
+          <p:nvPr/>
+        </p:nvPicPr>
+        <p:blipFill>
+          <a:blip r:embed="rId2"/>
+          <a:stretch>
+            <a:fillRect/>
+          </a:stretch>
+        </p:blipFill>
+        <p:spPr>
+          <a:xfrm>
+            <a:off x="3620310" y="1428750"/>
+            <a:ext cx="4974372" cy="5346122"/>
+          </a:xfrm>
+          <a:prstGeom prst="rect">
+            <a:avLst/>
+          </a:prstGeom>
+        </p:spPr>
+      </p:pic>
+      <p:pic>
+        <p:nvPicPr>
+          <p:cNvPr id="10" name="图片 9">
+            <a:extLst>
+              <a:ext uri="{FF2B5EF4-FFF2-40B4-BE49-F238E27FC236}">
+                <a16:creationId xmlns:a16="http://schemas.microsoft.com/office/drawing/2014/main" id="{5AF19834-C8B1-D94C-9FC3-D0C2C3A6F79C}"/>
+              </a:ext>
+            </a:extLst>
+          </p:cNvPr>
+          <p:cNvPicPr>
+            <a:picLocks noChangeAspect="1"/>
+          </p:cNvPicPr>
+          <p:nvPr/>
+        </p:nvPicPr>
+        <p:blipFill rotWithShape="1">
+          <a:blip r:embed="rId2"/>
+          <a:srcRect l="75087" t="62438" r="9403" b="9946"/>
+          <a:stretch/>
+        </p:blipFill>
+        <p:spPr>
+          <a:xfrm>
+            <a:off x="4836641" y="5275053"/>
+            <a:ext cx="3162300" cy="733383"/>
+          </a:xfrm>
+          <a:prstGeom prst="rect">
+            <a:avLst/>
+          </a:prstGeom>
+        </p:spPr>
+      </p:pic>
       <p:sp>
         <p:nvSpPr>
-          <p:cNvPr id="3" name="文本框 2">
-            <a:extLst>
-              <a:ext uri="{FF2B5EF4-FFF2-40B4-BE49-F238E27FC236}">
-                <a16:creationId xmlns:a16="http://schemas.microsoft.com/office/drawing/2014/main" id="{C10CD1F6-5281-1144-8275-00A99AEB534B}"/>
+          <p:cNvPr id="8" name="矩形 7">
+            <a:extLst>
+              <a:ext uri="{FF2B5EF4-FFF2-40B4-BE49-F238E27FC236}">
+                <a16:creationId xmlns:a16="http://schemas.microsoft.com/office/drawing/2014/main" id="{301CC967-0B98-8648-BBCD-9666DF3A75D1}"/>
+              </a:ext>
+            </a:extLst>
+          </p:cNvPr>
+          <p:cNvSpPr/>
+          <p:nvPr/>
+        </p:nvSpPr>
+        <p:spPr>
+          <a:xfrm>
+            <a:off x="4836641" y="5177439"/>
+            <a:ext cx="6001688" cy="830997"/>
+          </a:xfrm>
+          <a:prstGeom prst="rect">
+            <a:avLst/>
+          </a:prstGeom>
+          <a:solidFill>
+            <a:srgbClr val="FF0000"/>
+          </a:solidFill>
+          <a:effectLst>
+            <a:softEdge rad="31750"/>
+          </a:effectLst>
+        </p:spPr>
+        <p:txBody>
+          <a:bodyPr wrap="square">
+            <a:spAutoFit/>
+          </a:bodyPr>
+          <a:lstStyle/>
+          <a:p>
+            <a:r>
+              <a:rPr lang="zh-CN" altLang="en-US" sz="1600" b="1" dirty="0">
+                <a:solidFill>
+                  <a:schemeClr val="bg1"/>
+                </a:solidFill>
+                <a:latin typeface="Times New Roman" panose="02020603050405020304" pitchFamily="18" charset="0"/>
+                <a:cs typeface="Times New Roman" panose="02020603050405020304" pitchFamily="18" charset="0"/>
+              </a:rPr>
+              <a:t>注意：写完分支逻辑后，再看看是否有必要调整中位数。</a:t>
+            </a:r>
+            <a:endParaRPr lang="en-US" altLang="zh-CN" sz="1600" b="1" dirty="0">
+              <a:solidFill>
+                <a:schemeClr val="bg1"/>
+              </a:solidFill>
+              <a:latin typeface="Times New Roman" panose="02020603050405020304" pitchFamily="18" charset="0"/>
+              <a:cs typeface="Times New Roman" panose="02020603050405020304" pitchFamily="18" charset="0"/>
+            </a:endParaRPr>
+          </a:p>
+          <a:p>
+            <a:r>
+              <a:rPr lang="zh-CN" altLang="en-US" sz="1600" b="1">
+                <a:solidFill>
+                  <a:schemeClr val="bg1"/>
+                </a:solidFill>
+                <a:latin typeface="Times New Roman" panose="02020603050405020304" pitchFamily="18" charset="0"/>
+                <a:cs typeface="Times New Roman" panose="02020603050405020304" pitchFamily="18" charset="0"/>
+              </a:rPr>
+              <a:t>现在的分支</a:t>
+            </a:r>
+            <a:r>
+              <a:rPr lang="zh-CN" altLang="en-US" sz="1600" b="1" dirty="0">
+                <a:solidFill>
+                  <a:schemeClr val="bg1"/>
+                </a:solidFill>
+                <a:latin typeface="Times New Roman" panose="02020603050405020304" pitchFamily="18" charset="0"/>
+                <a:cs typeface="Times New Roman" panose="02020603050405020304" pitchFamily="18" charset="0"/>
+              </a:rPr>
+              <a:t>逻辑有可能在左中位数的地方不收缩，从而进入死循环，因此</a:t>
+            </a:r>
+            <a:r>
+              <a:rPr lang="zh-CN" altLang="en-US" sz="1600" b="1">
+                <a:solidFill>
+                  <a:schemeClr val="bg1"/>
+                </a:solidFill>
+                <a:latin typeface="Times New Roman" panose="02020603050405020304" pitchFamily="18" charset="0"/>
+                <a:cs typeface="Times New Roman" panose="02020603050405020304" pitchFamily="18" charset="0"/>
+              </a:rPr>
+              <a:t>需要把左中</a:t>
+            </a:r>
+            <a:r>
+              <a:rPr lang="zh-CN" altLang="en-US" sz="1600" b="1" dirty="0">
+                <a:solidFill>
+                  <a:schemeClr val="bg1"/>
+                </a:solidFill>
+                <a:latin typeface="Times New Roman" panose="02020603050405020304" pitchFamily="18" charset="0"/>
+                <a:cs typeface="Times New Roman" panose="02020603050405020304" pitchFamily="18" charset="0"/>
+              </a:rPr>
+              <a:t>位数调整成右中位数。</a:t>
+            </a:r>
+          </a:p>
+        </p:txBody>
+      </p:sp>
+      <p:sp>
+        <p:nvSpPr>
+          <p:cNvPr id="12" name="文本框 11">
+            <a:extLst>
+              <a:ext uri="{FF2B5EF4-FFF2-40B4-BE49-F238E27FC236}">
+                <a16:creationId xmlns:a16="http://schemas.microsoft.com/office/drawing/2014/main" id="{7425B39F-788D-634E-BEB5-C0E384A13C91}"/>
               </a:ext>
             </a:extLst>
           </p:cNvPr>
@@ -3677,7 +3510,7 @@
         <p:spPr>
           <a:xfrm flipH="1">
             <a:off x="280043" y="877535"/>
-            <a:ext cx="7023434" cy="461665"/>
+            <a:ext cx="5759822" cy="461665"/>
           </a:xfrm>
           <a:prstGeom prst="rect">
             <a:avLst/>
@@ -3707,17 +3540,6 @@
               <a:buChar char="Ø"/>
             </a:pPr>
             <a:r>
-              <a:rPr kumimoji="1" lang="en-US" altLang="zh-CN" sz="2400" b="1" dirty="0">
-                <a:solidFill>
-                  <a:schemeClr val="bg1"/>
-                </a:solidFill>
-                <a:latin typeface="Times New Roman" panose="02020603050405020304" pitchFamily="18" charset="0"/>
-                <a:ea typeface="KaiTi_GB2312" panose="02010609030101010101" pitchFamily="49" charset="-122"/>
-                <a:cs typeface="Times New Roman" panose="02020603050405020304" pitchFamily="18" charset="0"/>
-              </a:rPr>
-              <a:t>4</a:t>
-            </a:r>
-            <a:r>
               <a:rPr kumimoji="1" lang="zh-CN" altLang="en-US" sz="2400" b="1" dirty="0">
                 <a:solidFill>
                   <a:schemeClr val="bg1"/>
@@ -3726,163 +3548,17 @@
                 <a:ea typeface="KaiTi_GB2312" panose="02010609030101010101" pitchFamily="49" charset="-122"/>
                 <a:cs typeface="Times New Roman" panose="02020603050405020304" pitchFamily="18" charset="0"/>
               </a:rPr>
-              <a:t>、</a:t>
-            </a:r>
-            <a:r>
-              <a:rPr kumimoji="1" lang="en-US" altLang="zh-CN" sz="2400" b="1" dirty="0">
-                <a:solidFill>
-                  <a:schemeClr val="bg1"/>
-                </a:solidFill>
-                <a:latin typeface="Times New Roman" panose="02020603050405020304" pitchFamily="18" charset="0"/>
-                <a:ea typeface="KaiTi_GB2312" panose="02010609030101010101" pitchFamily="49" charset="-122"/>
-                <a:cs typeface="Times New Roman" panose="02020603050405020304" pitchFamily="18" charset="0"/>
-              </a:rPr>
-              <a:t> </a:t>
-            </a:r>
-            <a:r>
-              <a:rPr kumimoji="1" lang="zh-CN" altLang="en-US" sz="2400" b="1" dirty="0">
-                <a:solidFill>
-                  <a:schemeClr val="bg1"/>
-                </a:solidFill>
-                <a:latin typeface="Times New Roman" panose="02020603050405020304" pitchFamily="18" charset="0"/>
-                <a:ea typeface="KaiTi_GB2312" panose="02010609030101010101" pitchFamily="49" charset="-122"/>
-                <a:cs typeface="Times New Roman" panose="02020603050405020304" pitchFamily="18" charset="0"/>
-              </a:rPr>
-              <a:t>总结“神奇的”二分查找法模板的编写流程</a:t>
-            </a:r>
-          </a:p>
-        </p:txBody>
-      </p:sp>
-      <p:pic>
-        <p:nvPicPr>
-          <p:cNvPr id="5" name="图片 4">
-            <a:extLst>
-              <a:ext uri="{FF2B5EF4-FFF2-40B4-BE49-F238E27FC236}">
-                <a16:creationId xmlns:a16="http://schemas.microsoft.com/office/drawing/2014/main" id="{C2C5E6B8-AC4E-4946-A215-DFE97749580F}"/>
-              </a:ext>
-            </a:extLst>
-          </p:cNvPr>
-          <p:cNvPicPr>
-            <a:picLocks noChangeAspect="1"/>
-          </p:cNvPicPr>
-          <p:nvPr/>
-        </p:nvPicPr>
-        <p:blipFill>
-          <a:blip r:embed="rId2"/>
-          <a:stretch>
-            <a:fillRect/>
-          </a:stretch>
-        </p:blipFill>
-        <p:spPr>
-          <a:xfrm>
-            <a:off x="3620310" y="1428750"/>
-            <a:ext cx="4974372" cy="5346122"/>
-          </a:xfrm>
-          <a:prstGeom prst="rect">
-            <a:avLst/>
-          </a:prstGeom>
-        </p:spPr>
-      </p:pic>
-      <p:pic>
-        <p:nvPicPr>
-          <p:cNvPr id="10" name="图片 9">
-            <a:extLst>
-              <a:ext uri="{FF2B5EF4-FFF2-40B4-BE49-F238E27FC236}">
-                <a16:creationId xmlns:a16="http://schemas.microsoft.com/office/drawing/2014/main" id="{5AF19834-C8B1-D94C-9FC3-D0C2C3A6F79C}"/>
-              </a:ext>
-            </a:extLst>
-          </p:cNvPr>
-          <p:cNvPicPr>
-            <a:picLocks noChangeAspect="1"/>
-          </p:cNvPicPr>
-          <p:nvPr/>
-        </p:nvPicPr>
-        <p:blipFill rotWithShape="1">
-          <a:blip r:embed="rId2"/>
-          <a:srcRect l="75087" t="62438" r="9403" b="9946"/>
-          <a:stretch/>
-        </p:blipFill>
-        <p:spPr>
-          <a:xfrm>
-            <a:off x="4836641" y="5275053"/>
-            <a:ext cx="3162300" cy="733383"/>
-          </a:xfrm>
-          <a:prstGeom prst="rect">
-            <a:avLst/>
-          </a:prstGeom>
-        </p:spPr>
-      </p:pic>
-      <p:sp>
-        <p:nvSpPr>
-          <p:cNvPr id="8" name="矩形 7">
-            <a:extLst>
-              <a:ext uri="{FF2B5EF4-FFF2-40B4-BE49-F238E27FC236}">
-                <a16:creationId xmlns:a16="http://schemas.microsoft.com/office/drawing/2014/main" id="{301CC967-0B98-8648-BBCD-9666DF3A75D1}"/>
-              </a:ext>
-            </a:extLst>
-          </p:cNvPr>
-          <p:cNvSpPr/>
-          <p:nvPr/>
-        </p:nvSpPr>
-        <p:spPr>
-          <a:xfrm>
-            <a:off x="4836641" y="5177439"/>
-            <a:ext cx="6001688" cy="830997"/>
-          </a:xfrm>
-          <a:prstGeom prst="rect">
-            <a:avLst/>
-          </a:prstGeom>
-          <a:solidFill>
-            <a:srgbClr val="FF0000"/>
-          </a:solidFill>
-          <a:effectLst>
-            <a:softEdge rad="31750"/>
-          </a:effectLst>
-        </p:spPr>
-        <p:txBody>
-          <a:bodyPr wrap="square">
-            <a:spAutoFit/>
-          </a:bodyPr>
-          <a:lstStyle/>
-          <a:p>
-            <a:r>
-              <a:rPr lang="zh-CN" altLang="en-US" sz="1600" b="1" dirty="0">
-                <a:solidFill>
-                  <a:schemeClr val="bg1"/>
-                </a:solidFill>
-                <a:latin typeface="Times New Roman" panose="02020603050405020304" pitchFamily="18" charset="0"/>
-                <a:cs typeface="Times New Roman" panose="02020603050405020304" pitchFamily="18" charset="0"/>
-              </a:rPr>
-              <a:t>注意：写完分支逻辑后，再看看是否有必要调整中位数。</a:t>
-            </a:r>
-            <a:endParaRPr lang="en-US" altLang="zh-CN" sz="1600" b="1" dirty="0">
-              <a:solidFill>
-                <a:schemeClr val="bg1"/>
-              </a:solidFill>
-              <a:latin typeface="Times New Roman" panose="02020603050405020304" pitchFamily="18" charset="0"/>
-              <a:cs typeface="Times New Roman" panose="02020603050405020304" pitchFamily="18" charset="0"/>
-            </a:endParaRPr>
-          </a:p>
-          <a:p>
-            <a:r>
-              <a:rPr lang="zh-CN" altLang="en-US" sz="1600" b="1" dirty="0">
-                <a:solidFill>
-                  <a:schemeClr val="bg1"/>
-                </a:solidFill>
-                <a:latin typeface="Times New Roman" panose="02020603050405020304" pitchFamily="18" charset="0"/>
-                <a:cs typeface="Times New Roman" panose="02020603050405020304" pitchFamily="18" charset="0"/>
-              </a:rPr>
-              <a:t>这里取左中位数，但分支逻辑有可能在左中位数的地方不收缩，从而进入死循环，因此需要把中位数调整成右中位数。</a:t>
+              <a:t>“神奇的”二分查找法模板的编写流程</a:t>
             </a:r>
           </a:p>
         </p:txBody>
       </p:sp>
       <p:sp>
         <p:nvSpPr>
-          <p:cNvPr id="9" name="文本框 8">
-            <a:extLst>
-              <a:ext uri="{FF2B5EF4-FFF2-40B4-BE49-F238E27FC236}">
-                <a16:creationId xmlns:a16="http://schemas.microsoft.com/office/drawing/2014/main" id="{F1225B5A-BF6B-124D-89A8-1B9E336614F4}"/>
+          <p:cNvPr id="13" name="文本框 12">
+            <a:extLst>
+              <a:ext uri="{FF2B5EF4-FFF2-40B4-BE49-F238E27FC236}">
+                <a16:creationId xmlns:a16="http://schemas.microsoft.com/office/drawing/2014/main" id="{30AAA24D-5096-5345-8DEB-BBF5C7091A6A}"/>
               </a:ext>
             </a:extLst>
           </p:cNvPr>
@@ -3892,7 +3568,7 @@
         <p:spPr>
           <a:xfrm flipH="1">
             <a:off x="4365436" y="1653070"/>
-            <a:ext cx="3987206" cy="338554"/>
+            <a:ext cx="5301078" cy="338554"/>
           </a:xfrm>
           <a:prstGeom prst="rect">
             <a:avLst/>
@@ -4076,12 +3752,127 @@
           </a:p>
         </p:txBody>
       </p:sp>
+      <p:pic>
+        <p:nvPicPr>
+          <p:cNvPr id="10" name="图片 9">
+            <a:extLst>
+              <a:ext uri="{FF2B5EF4-FFF2-40B4-BE49-F238E27FC236}">
+                <a16:creationId xmlns:a16="http://schemas.microsoft.com/office/drawing/2014/main" id="{5AF19834-C8B1-D94C-9FC3-D0C2C3A6F79C}"/>
+              </a:ext>
+            </a:extLst>
+          </p:cNvPr>
+          <p:cNvPicPr>
+            <a:picLocks noChangeAspect="1"/>
+          </p:cNvPicPr>
+          <p:nvPr/>
+        </p:nvPicPr>
+        <p:blipFill rotWithShape="1">
+          <a:blip r:embed="rId3"/>
+          <a:srcRect l="75087" t="62438" r="9403" b="9946"/>
+          <a:stretch/>
+        </p:blipFill>
+        <p:spPr>
+          <a:xfrm>
+            <a:off x="4836641" y="5275053"/>
+            <a:ext cx="3162300" cy="733383"/>
+          </a:xfrm>
+          <a:prstGeom prst="rect">
+            <a:avLst/>
+          </a:prstGeom>
+        </p:spPr>
+      </p:pic>
       <p:sp>
         <p:nvSpPr>
-          <p:cNvPr id="3" name="文本框 2">
-            <a:extLst>
-              <a:ext uri="{FF2B5EF4-FFF2-40B4-BE49-F238E27FC236}">
-                <a16:creationId xmlns:a16="http://schemas.microsoft.com/office/drawing/2014/main" id="{C10CD1F6-5281-1144-8275-00A99AEB534B}"/>
+          <p:cNvPr id="11" name="矩形 10">
+            <a:extLst>
+              <a:ext uri="{FF2B5EF4-FFF2-40B4-BE49-F238E27FC236}">
+                <a16:creationId xmlns:a16="http://schemas.microsoft.com/office/drawing/2014/main" id="{D766EFCB-B82C-0D43-871C-6C6D5C6AC37E}"/>
+              </a:ext>
+            </a:extLst>
+          </p:cNvPr>
+          <p:cNvSpPr/>
+          <p:nvPr/>
+        </p:nvSpPr>
+        <p:spPr>
+          <a:xfrm>
+            <a:off x="8211854" y="3524980"/>
+            <a:ext cx="3473640" cy="584775"/>
+          </a:xfrm>
+          <a:prstGeom prst="rect">
+            <a:avLst/>
+          </a:prstGeom>
+          <a:solidFill>
+            <a:srgbClr val="FF0000"/>
+          </a:solidFill>
+          <a:effectLst>
+            <a:softEdge rad="31750"/>
+          </a:effectLst>
+        </p:spPr>
+        <p:txBody>
+          <a:bodyPr wrap="square">
+            <a:spAutoFit/>
+          </a:bodyPr>
+          <a:lstStyle/>
+          <a:p>
+            <a:r>
+              <a:rPr lang="zh-CN" altLang="en-US" sz="1600" b="1" dirty="0">
+                <a:solidFill>
+                  <a:schemeClr val="bg1"/>
+                </a:solidFill>
+                <a:latin typeface="Times New Roman" panose="02020603050405020304" pitchFamily="18" charset="0"/>
+                <a:cs typeface="Times New Roman" panose="02020603050405020304" pitchFamily="18" charset="0"/>
+              </a:rPr>
+              <a:t>在括号内添加“</a:t>
+            </a:r>
+            <a:r>
+              <a:rPr lang="en-US" altLang="zh-CN" sz="1600" b="1" dirty="0">
+                <a:solidFill>
+                  <a:schemeClr val="bg1"/>
+                </a:solidFill>
+                <a:latin typeface="Times New Roman" panose="02020603050405020304" pitchFamily="18" charset="0"/>
+                <a:cs typeface="Times New Roman" panose="02020603050405020304" pitchFamily="18" charset="0"/>
+              </a:rPr>
+              <a:t>+</a:t>
+            </a:r>
+            <a:r>
+              <a:rPr lang="zh-CN" altLang="en-US" sz="1600" b="1" dirty="0">
+                <a:solidFill>
+                  <a:schemeClr val="bg1"/>
+                </a:solidFill>
+                <a:latin typeface="Times New Roman" panose="02020603050405020304" pitchFamily="18" charset="0"/>
+                <a:cs typeface="Times New Roman" panose="02020603050405020304" pitchFamily="18" charset="0"/>
+              </a:rPr>
+              <a:t> </a:t>
+            </a:r>
+            <a:r>
+              <a:rPr lang="en-US" altLang="zh-CN" sz="1600" b="1" dirty="0">
+                <a:solidFill>
+                  <a:schemeClr val="bg1"/>
+                </a:solidFill>
+                <a:latin typeface="Times New Roman" panose="02020603050405020304" pitchFamily="18" charset="0"/>
+                <a:cs typeface="Times New Roman" panose="02020603050405020304" pitchFamily="18" charset="0"/>
+              </a:rPr>
+              <a:t>1</a:t>
+            </a:r>
+            <a:r>
+              <a:rPr lang="zh-CN" altLang="en-US" sz="1600" b="1" dirty="0">
+                <a:solidFill>
+                  <a:schemeClr val="bg1"/>
+                </a:solidFill>
+                <a:latin typeface="Times New Roman" panose="02020603050405020304" pitchFamily="18" charset="0"/>
+                <a:cs typeface="Times New Roman" panose="02020603050405020304" pitchFamily="18" charset="0"/>
+              </a:rPr>
+              <a:t> ”表示将中位数修改成右中位数。</a:t>
+            </a:r>
+          </a:p>
+        </p:txBody>
+      </p:sp>
+      <p:sp>
+        <p:nvSpPr>
+          <p:cNvPr id="12" name="文本框 11">
+            <a:extLst>
+              <a:ext uri="{FF2B5EF4-FFF2-40B4-BE49-F238E27FC236}">
+                <a16:creationId xmlns:a16="http://schemas.microsoft.com/office/drawing/2014/main" id="{9D32E472-BB60-6F4C-B8C3-69E2FFC83699}"/>
               </a:ext>
             </a:extLst>
           </p:cNvPr>
@@ -4091,7 +3882,7 @@
         <p:spPr>
           <a:xfrm flipH="1">
             <a:off x="280043" y="877535"/>
-            <a:ext cx="7023434" cy="461665"/>
+            <a:ext cx="5759822" cy="461665"/>
           </a:xfrm>
           <a:prstGeom prst="rect">
             <a:avLst/>
@@ -4121,17 +3912,6 @@
               <a:buChar char="Ø"/>
             </a:pPr>
             <a:r>
-              <a:rPr kumimoji="1" lang="en-US" altLang="zh-CN" sz="2400" b="1" dirty="0">
-                <a:solidFill>
-                  <a:schemeClr val="bg1"/>
-                </a:solidFill>
-                <a:latin typeface="Times New Roman" panose="02020603050405020304" pitchFamily="18" charset="0"/>
-                <a:ea typeface="KaiTi_GB2312" panose="02010609030101010101" pitchFamily="49" charset="-122"/>
-                <a:cs typeface="Times New Roman" panose="02020603050405020304" pitchFamily="18" charset="0"/>
-              </a:rPr>
-              <a:t>4</a:t>
-            </a:r>
-            <a:r>
               <a:rPr kumimoji="1" lang="zh-CN" altLang="en-US" sz="2400" b="1" dirty="0">
                 <a:solidFill>
                   <a:schemeClr val="bg1"/>
@@ -4140,68 +3920,17 @@
                 <a:ea typeface="KaiTi_GB2312" panose="02010609030101010101" pitchFamily="49" charset="-122"/>
                 <a:cs typeface="Times New Roman" panose="02020603050405020304" pitchFamily="18" charset="0"/>
               </a:rPr>
-              <a:t>、</a:t>
-            </a:r>
-            <a:r>
-              <a:rPr kumimoji="1" lang="en-US" altLang="zh-CN" sz="2400" b="1" dirty="0">
-                <a:solidFill>
-                  <a:schemeClr val="bg1"/>
-                </a:solidFill>
-                <a:latin typeface="Times New Roman" panose="02020603050405020304" pitchFamily="18" charset="0"/>
-                <a:ea typeface="KaiTi_GB2312" panose="02010609030101010101" pitchFamily="49" charset="-122"/>
-                <a:cs typeface="Times New Roman" panose="02020603050405020304" pitchFamily="18" charset="0"/>
-              </a:rPr>
-              <a:t> </a:t>
-            </a:r>
-            <a:r>
-              <a:rPr kumimoji="1" lang="zh-CN" altLang="en-US" sz="2400" b="1" dirty="0">
-                <a:solidFill>
-                  <a:schemeClr val="bg1"/>
-                </a:solidFill>
-                <a:latin typeface="Times New Roman" panose="02020603050405020304" pitchFamily="18" charset="0"/>
-                <a:ea typeface="KaiTi_GB2312" panose="02010609030101010101" pitchFamily="49" charset="-122"/>
-                <a:cs typeface="Times New Roman" panose="02020603050405020304" pitchFamily="18" charset="0"/>
-              </a:rPr>
-              <a:t>总结“神奇的”二分查找法模板的编写流程</a:t>
+              <a:t>“神奇的”二分查找法模板的编写流程</a:t>
             </a:r>
           </a:p>
         </p:txBody>
       </p:sp>
-      <p:pic>
-        <p:nvPicPr>
-          <p:cNvPr id="10" name="图片 9">
-            <a:extLst>
-              <a:ext uri="{FF2B5EF4-FFF2-40B4-BE49-F238E27FC236}">
-                <a16:creationId xmlns:a16="http://schemas.microsoft.com/office/drawing/2014/main" id="{5AF19834-C8B1-D94C-9FC3-D0C2C3A6F79C}"/>
-              </a:ext>
-            </a:extLst>
-          </p:cNvPr>
-          <p:cNvPicPr>
-            <a:picLocks noChangeAspect="1"/>
-          </p:cNvPicPr>
-          <p:nvPr/>
-        </p:nvPicPr>
-        <p:blipFill rotWithShape="1">
-          <a:blip r:embed="rId3"/>
-          <a:srcRect l="75087" t="62438" r="9403" b="9946"/>
-          <a:stretch/>
-        </p:blipFill>
-        <p:spPr>
-          <a:xfrm>
-            <a:off x="4836641" y="5275053"/>
-            <a:ext cx="3162300" cy="733383"/>
-          </a:xfrm>
-          <a:prstGeom prst="rect">
-            <a:avLst/>
-          </a:prstGeom>
-        </p:spPr>
-      </p:pic>
       <p:sp>
         <p:nvSpPr>
-          <p:cNvPr id="9" name="文本框 8">
-            <a:extLst>
-              <a:ext uri="{FF2B5EF4-FFF2-40B4-BE49-F238E27FC236}">
-                <a16:creationId xmlns:a16="http://schemas.microsoft.com/office/drawing/2014/main" id="{8300C293-BED0-4645-ADEF-D0764BB67D4F}"/>
+          <p:cNvPr id="13" name="文本框 12">
+            <a:extLst>
+              <a:ext uri="{FF2B5EF4-FFF2-40B4-BE49-F238E27FC236}">
+                <a16:creationId xmlns:a16="http://schemas.microsoft.com/office/drawing/2014/main" id="{52BEB06A-0CC7-1A48-8CE5-EC0DFFDD8B77}"/>
               </a:ext>
             </a:extLst>
           </p:cNvPr>
@@ -4211,7 +3940,7 @@
         <p:spPr>
           <a:xfrm flipH="1">
             <a:off x="4365436" y="1653070"/>
-            <a:ext cx="3987206" cy="338554"/>
+            <a:ext cx="5301078" cy="338554"/>
           </a:xfrm>
           <a:prstGeom prst="rect">
             <a:avLst/>
@@ -4287,92 +4016,6 @@
               <a:ea typeface="KaiTi_GB2312" panose="02010609030101010101" pitchFamily="49" charset="-122"/>
               <a:cs typeface="Times New Roman" panose="02020603050405020304" pitchFamily="18" charset="0"/>
             </a:endParaRPr>
-          </a:p>
-        </p:txBody>
-      </p:sp>
-      <p:sp>
-        <p:nvSpPr>
-          <p:cNvPr id="11" name="矩形 10">
-            <a:extLst>
-              <a:ext uri="{FF2B5EF4-FFF2-40B4-BE49-F238E27FC236}">
-                <a16:creationId xmlns:a16="http://schemas.microsoft.com/office/drawing/2014/main" id="{D766EFCB-B82C-0D43-871C-6C6D5C6AC37E}"/>
-              </a:ext>
-            </a:extLst>
-          </p:cNvPr>
-          <p:cNvSpPr/>
-          <p:nvPr/>
-        </p:nvSpPr>
-        <p:spPr>
-          <a:xfrm>
-            <a:off x="8211854" y="3524980"/>
-            <a:ext cx="3473640" cy="584775"/>
-          </a:xfrm>
-          <a:prstGeom prst="rect">
-            <a:avLst/>
-          </a:prstGeom>
-          <a:solidFill>
-            <a:srgbClr val="FF0000"/>
-          </a:solidFill>
-          <a:effectLst>
-            <a:softEdge rad="31750"/>
-          </a:effectLst>
-        </p:spPr>
-        <p:txBody>
-          <a:bodyPr wrap="square">
-            <a:spAutoFit/>
-          </a:bodyPr>
-          <a:lstStyle/>
-          <a:p>
-            <a:r>
-              <a:rPr lang="zh-CN" altLang="en-US" sz="1600" b="1" dirty="0">
-                <a:solidFill>
-                  <a:schemeClr val="bg1"/>
-                </a:solidFill>
-                <a:latin typeface="Times New Roman" panose="02020603050405020304" pitchFamily="18" charset="0"/>
-                <a:cs typeface="Times New Roman" panose="02020603050405020304" pitchFamily="18" charset="0"/>
-              </a:rPr>
-              <a:t>在括号内添加“</a:t>
-            </a:r>
-            <a:r>
-              <a:rPr lang="en-US" altLang="zh-CN" sz="1600" b="1" dirty="0">
-                <a:solidFill>
-                  <a:schemeClr val="bg1"/>
-                </a:solidFill>
-                <a:latin typeface="Times New Roman" panose="02020603050405020304" pitchFamily="18" charset="0"/>
-                <a:cs typeface="Times New Roman" panose="02020603050405020304" pitchFamily="18" charset="0"/>
-              </a:rPr>
-              <a:t>+</a:t>
-            </a:r>
-            <a:r>
-              <a:rPr lang="zh-CN" altLang="en-US" sz="1600" b="1" dirty="0">
-                <a:solidFill>
-                  <a:schemeClr val="bg1"/>
-                </a:solidFill>
-                <a:latin typeface="Times New Roman" panose="02020603050405020304" pitchFamily="18" charset="0"/>
-                <a:cs typeface="Times New Roman" panose="02020603050405020304" pitchFamily="18" charset="0"/>
-              </a:rPr>
-              <a:t> </a:t>
-            </a:r>
-            <a:r>
-              <a:rPr lang="en-US" altLang="zh-CN" sz="1600" b="1" dirty="0">
-                <a:solidFill>
-                  <a:schemeClr val="bg1"/>
-                </a:solidFill>
-                <a:latin typeface="Times New Roman" panose="02020603050405020304" pitchFamily="18" charset="0"/>
-                <a:cs typeface="Times New Roman" panose="02020603050405020304" pitchFamily="18" charset="0"/>
-              </a:rPr>
-              <a:t>1</a:t>
-            </a:r>
-            <a:r>
-              <a:rPr lang="zh-CN" altLang="en-US" sz="1600" b="1" dirty="0">
-                <a:solidFill>
-                  <a:schemeClr val="bg1"/>
-                </a:solidFill>
-                <a:latin typeface="Times New Roman" panose="02020603050405020304" pitchFamily="18" charset="0"/>
-                <a:cs typeface="Times New Roman" panose="02020603050405020304" pitchFamily="18" charset="0"/>
-              </a:rPr>
-              <a:t> ”表示将中位数修改成右中位数。</a:t>
-            </a:r>
           </a:p>
         </p:txBody>
       </p:sp>
@@ -4481,12 +4124,106 @@
           </a:p>
         </p:txBody>
       </p:sp>
+      <p:pic>
+        <p:nvPicPr>
+          <p:cNvPr id="10" name="图片 9">
+            <a:extLst>
+              <a:ext uri="{FF2B5EF4-FFF2-40B4-BE49-F238E27FC236}">
+                <a16:creationId xmlns:a16="http://schemas.microsoft.com/office/drawing/2014/main" id="{5AF19834-C8B1-D94C-9FC3-D0C2C3A6F79C}"/>
+              </a:ext>
+            </a:extLst>
+          </p:cNvPr>
+          <p:cNvPicPr>
+            <a:picLocks noChangeAspect="1"/>
+          </p:cNvPicPr>
+          <p:nvPr/>
+        </p:nvPicPr>
+        <p:blipFill rotWithShape="1">
+          <a:blip r:embed="rId3"/>
+          <a:srcRect l="75087" t="62438" r="9403" b="9946"/>
+          <a:stretch/>
+        </p:blipFill>
+        <p:spPr>
+          <a:xfrm>
+            <a:off x="4836641" y="5275053"/>
+            <a:ext cx="3162300" cy="733383"/>
+          </a:xfrm>
+          <a:prstGeom prst="rect">
+            <a:avLst/>
+          </a:prstGeom>
+        </p:spPr>
+      </p:pic>
       <p:sp>
         <p:nvSpPr>
-          <p:cNvPr id="3" name="文本框 2">
-            <a:extLst>
-              <a:ext uri="{FF2B5EF4-FFF2-40B4-BE49-F238E27FC236}">
-                <a16:creationId xmlns:a16="http://schemas.microsoft.com/office/drawing/2014/main" id="{C10CD1F6-5281-1144-8275-00A99AEB534B}"/>
+          <p:cNvPr id="8" name="矩形 7">
+            <a:extLst>
+              <a:ext uri="{FF2B5EF4-FFF2-40B4-BE49-F238E27FC236}">
+                <a16:creationId xmlns:a16="http://schemas.microsoft.com/office/drawing/2014/main" id="{301CC967-0B98-8648-BBCD-9666DF3A75D1}"/>
+              </a:ext>
+            </a:extLst>
+          </p:cNvPr>
+          <p:cNvSpPr/>
+          <p:nvPr/>
+        </p:nvSpPr>
+        <p:spPr>
+          <a:xfrm>
+            <a:off x="4836641" y="5177439"/>
+            <a:ext cx="3603974" cy="830997"/>
+          </a:xfrm>
+          <a:prstGeom prst="rect">
+            <a:avLst/>
+          </a:prstGeom>
+          <a:solidFill>
+            <a:srgbClr val="FF0000"/>
+          </a:solidFill>
+          <a:effectLst>
+            <a:softEdge rad="31750"/>
+          </a:effectLst>
+        </p:spPr>
+        <p:txBody>
+          <a:bodyPr wrap="square">
+            <a:spAutoFit/>
+          </a:bodyPr>
+          <a:lstStyle/>
+          <a:p>
+            <a:r>
+              <a:rPr lang="zh-CN" altLang="en-US" sz="1600" b="1" dirty="0">
+                <a:solidFill>
+                  <a:schemeClr val="bg1"/>
+                </a:solidFill>
+                <a:latin typeface="Times New Roman" panose="02020603050405020304" pitchFamily="18" charset="0"/>
+                <a:cs typeface="Times New Roman" panose="02020603050405020304" pitchFamily="18" charset="0"/>
+              </a:rPr>
+              <a:t>退出循环以后，考虑是否需要后处理。</a:t>
+            </a:r>
+            <a:endParaRPr lang="en-US" altLang="zh-CN" sz="1600" b="1" dirty="0">
+              <a:solidFill>
+                <a:schemeClr val="bg1"/>
+              </a:solidFill>
+              <a:latin typeface="Times New Roman" panose="02020603050405020304" pitchFamily="18" charset="0"/>
+              <a:cs typeface="Times New Roman" panose="02020603050405020304" pitchFamily="18" charset="0"/>
+            </a:endParaRPr>
+          </a:p>
+          <a:p>
+            <a:r>
+              <a:rPr lang="zh-CN" altLang="en-US" sz="1600" b="1" dirty="0">
+                <a:solidFill>
+                  <a:schemeClr val="bg1"/>
+                </a:solidFill>
+                <a:latin typeface="Times New Roman" panose="02020603050405020304" pitchFamily="18" charset="0"/>
+                <a:cs typeface="Times New Roman" panose="02020603050405020304" pitchFamily="18" charset="0"/>
+              </a:rPr>
+              <a:t>即检查通过“排除”和“夹逼”以后，最后剩下的那个数是否符合题意。</a:t>
+            </a:r>
+          </a:p>
+        </p:txBody>
+      </p:sp>
+      <p:sp>
+        <p:nvSpPr>
+          <p:cNvPr id="13" name="文本框 12">
+            <a:extLst>
+              <a:ext uri="{FF2B5EF4-FFF2-40B4-BE49-F238E27FC236}">
+                <a16:creationId xmlns:a16="http://schemas.microsoft.com/office/drawing/2014/main" id="{C7F42561-3F3F-AB4C-BA05-D286A794450A}"/>
               </a:ext>
             </a:extLst>
           </p:cNvPr>
@@ -4496,7 +4233,7 @@
         <p:spPr>
           <a:xfrm flipH="1">
             <a:off x="280043" y="877535"/>
-            <a:ext cx="7023434" cy="461665"/>
+            <a:ext cx="5759822" cy="461665"/>
           </a:xfrm>
           <a:prstGeom prst="rect">
             <a:avLst/>
@@ -4526,17 +4263,6 @@
               <a:buChar char="Ø"/>
             </a:pPr>
             <a:r>
-              <a:rPr kumimoji="1" lang="en-US" altLang="zh-CN" sz="2400" b="1" dirty="0">
-                <a:solidFill>
-                  <a:schemeClr val="bg1"/>
-                </a:solidFill>
-                <a:latin typeface="Times New Roman" panose="02020603050405020304" pitchFamily="18" charset="0"/>
-                <a:ea typeface="KaiTi_GB2312" panose="02010609030101010101" pitchFamily="49" charset="-122"/>
-                <a:cs typeface="Times New Roman" panose="02020603050405020304" pitchFamily="18" charset="0"/>
-              </a:rPr>
-              <a:t>4</a:t>
-            </a:r>
-            <a:r>
               <a:rPr kumimoji="1" lang="zh-CN" altLang="en-US" sz="2400" b="1" dirty="0">
                 <a:solidFill>
                   <a:schemeClr val="bg1"/>
@@ -4545,133 +4271,17 @@
                 <a:ea typeface="KaiTi_GB2312" panose="02010609030101010101" pitchFamily="49" charset="-122"/>
                 <a:cs typeface="Times New Roman" panose="02020603050405020304" pitchFamily="18" charset="0"/>
               </a:rPr>
-              <a:t>、</a:t>
-            </a:r>
-            <a:r>
-              <a:rPr kumimoji="1" lang="en-US" altLang="zh-CN" sz="2400" b="1" dirty="0">
-                <a:solidFill>
-                  <a:schemeClr val="bg1"/>
-                </a:solidFill>
-                <a:latin typeface="Times New Roman" panose="02020603050405020304" pitchFamily="18" charset="0"/>
-                <a:ea typeface="KaiTi_GB2312" panose="02010609030101010101" pitchFamily="49" charset="-122"/>
-                <a:cs typeface="Times New Roman" panose="02020603050405020304" pitchFamily="18" charset="0"/>
-              </a:rPr>
-              <a:t> </a:t>
-            </a:r>
-            <a:r>
-              <a:rPr kumimoji="1" lang="zh-CN" altLang="en-US" sz="2400" b="1" dirty="0">
-                <a:solidFill>
-                  <a:schemeClr val="bg1"/>
-                </a:solidFill>
-                <a:latin typeface="Times New Roman" panose="02020603050405020304" pitchFamily="18" charset="0"/>
-                <a:ea typeface="KaiTi_GB2312" panose="02010609030101010101" pitchFamily="49" charset="-122"/>
-                <a:cs typeface="Times New Roman" panose="02020603050405020304" pitchFamily="18" charset="0"/>
-              </a:rPr>
-              <a:t>总结“神奇的”二分查找法模板的编写流程</a:t>
-            </a:r>
-          </a:p>
-        </p:txBody>
-      </p:sp>
-      <p:pic>
-        <p:nvPicPr>
-          <p:cNvPr id="10" name="图片 9">
-            <a:extLst>
-              <a:ext uri="{FF2B5EF4-FFF2-40B4-BE49-F238E27FC236}">
-                <a16:creationId xmlns:a16="http://schemas.microsoft.com/office/drawing/2014/main" id="{5AF19834-C8B1-D94C-9FC3-D0C2C3A6F79C}"/>
-              </a:ext>
-            </a:extLst>
-          </p:cNvPr>
-          <p:cNvPicPr>
-            <a:picLocks noChangeAspect="1"/>
-          </p:cNvPicPr>
-          <p:nvPr/>
-        </p:nvPicPr>
-        <p:blipFill rotWithShape="1">
-          <a:blip r:embed="rId3"/>
-          <a:srcRect l="75087" t="62438" r="9403" b="9946"/>
-          <a:stretch/>
-        </p:blipFill>
-        <p:spPr>
-          <a:xfrm>
-            <a:off x="4836641" y="5275053"/>
-            <a:ext cx="3162300" cy="733383"/>
-          </a:xfrm>
-          <a:prstGeom prst="rect">
-            <a:avLst/>
-          </a:prstGeom>
-        </p:spPr>
-      </p:pic>
-      <p:sp>
-        <p:nvSpPr>
-          <p:cNvPr id="8" name="矩形 7">
-            <a:extLst>
-              <a:ext uri="{FF2B5EF4-FFF2-40B4-BE49-F238E27FC236}">
-                <a16:creationId xmlns:a16="http://schemas.microsoft.com/office/drawing/2014/main" id="{301CC967-0B98-8648-BBCD-9666DF3A75D1}"/>
-              </a:ext>
-            </a:extLst>
-          </p:cNvPr>
-          <p:cNvSpPr/>
-          <p:nvPr/>
-        </p:nvSpPr>
-        <p:spPr>
-          <a:xfrm>
-            <a:off x="4836641" y="5177439"/>
-            <a:ext cx="3603974" cy="830997"/>
-          </a:xfrm>
-          <a:prstGeom prst="rect">
-            <a:avLst/>
-          </a:prstGeom>
-          <a:solidFill>
-            <a:srgbClr val="FF0000"/>
-          </a:solidFill>
-          <a:effectLst>
-            <a:softEdge rad="31750"/>
-          </a:effectLst>
-        </p:spPr>
-        <p:txBody>
-          <a:bodyPr wrap="square">
-            <a:spAutoFit/>
-          </a:bodyPr>
-          <a:lstStyle/>
-          <a:p>
-            <a:r>
-              <a:rPr lang="zh-CN" altLang="en-US" sz="1600" b="1" dirty="0">
-                <a:solidFill>
-                  <a:schemeClr val="bg1"/>
-                </a:solidFill>
-                <a:latin typeface="Times New Roman" panose="02020603050405020304" pitchFamily="18" charset="0"/>
-                <a:cs typeface="Times New Roman" panose="02020603050405020304" pitchFamily="18" charset="0"/>
-              </a:rPr>
-              <a:t>退出循环以后，考虑是否需要后处理。</a:t>
-            </a:r>
-            <a:endParaRPr lang="en-US" altLang="zh-CN" sz="1600" b="1" dirty="0">
-              <a:solidFill>
-                <a:schemeClr val="bg1"/>
-              </a:solidFill>
-              <a:latin typeface="Times New Roman" panose="02020603050405020304" pitchFamily="18" charset="0"/>
-              <a:cs typeface="Times New Roman" panose="02020603050405020304" pitchFamily="18" charset="0"/>
-            </a:endParaRPr>
-          </a:p>
-          <a:p>
-            <a:r>
-              <a:rPr lang="zh-CN" altLang="en-US" sz="1600" b="1" dirty="0">
-                <a:solidFill>
-                  <a:schemeClr val="bg1"/>
-                </a:solidFill>
-                <a:latin typeface="Times New Roman" panose="02020603050405020304" pitchFamily="18" charset="0"/>
-                <a:cs typeface="Times New Roman" panose="02020603050405020304" pitchFamily="18" charset="0"/>
-              </a:rPr>
-              <a:t>即检查通过“排除”和“夹逼”以后，最后剩下的那个数是否符合题意。</a:t>
+              <a:t>“神奇的”二分查找法模板的编写流程</a:t>
             </a:r>
           </a:p>
         </p:txBody>
       </p:sp>
       <p:sp>
         <p:nvSpPr>
-          <p:cNvPr id="9" name="文本框 8">
-            <a:extLst>
-              <a:ext uri="{FF2B5EF4-FFF2-40B4-BE49-F238E27FC236}">
-                <a16:creationId xmlns:a16="http://schemas.microsoft.com/office/drawing/2014/main" id="{8300C293-BED0-4645-ADEF-D0764BB67D4F}"/>
+          <p:cNvPr id="14" name="文本框 13">
+            <a:extLst>
+              <a:ext uri="{FF2B5EF4-FFF2-40B4-BE49-F238E27FC236}">
+                <a16:creationId xmlns:a16="http://schemas.microsoft.com/office/drawing/2014/main" id="{9A66622E-1A0A-024D-B2C2-41790FF91BEE}"/>
               </a:ext>
             </a:extLst>
           </p:cNvPr>
@@ -4681,7 +4291,7 @@
         <p:spPr>
           <a:xfrm flipH="1">
             <a:off x="4365436" y="1653070"/>
-            <a:ext cx="3987206" cy="338554"/>
+            <a:ext cx="5301078" cy="338554"/>
           </a:xfrm>
           <a:prstGeom prst="rect">
             <a:avLst/>
